--- a/src/experiment/static/images/instructions/Tutorial.pptx
+++ b/src/experiment/static/images/instructions/Tutorial.pptx
@@ -2120,33 +2120,6 @@
       </p:sp>
     </p:spTree>
   </p:cSld>
-  <p:timing>
-    <p:tnLst>
-      <p:par>
-        <p:cTn id="1" dur="indefinite" restart="never" nodeType="tmRoot">
-          <p:childTnLst>
-            <p:seq>
-              <p:cTn id="2" nodeType="mainSeq"/>
-              <p:prevCondLst>
-                <p:cond delay="0" evt="onPrev">
-                  <p:tgtEl>
-                    <p:sldTgt/>
-                  </p:tgtEl>
-                </p:cond>
-              </p:prevCondLst>
-              <p:nextCondLst>
-                <p:cond delay="0" evt="onNext">
-                  <p:tgtEl>
-                    <p:sldTgt/>
-                  </p:tgtEl>
-                </p:cond>
-              </p:nextCondLst>
-            </p:seq>
-          </p:childTnLst>
-        </p:cTn>
-      </p:par>
-    </p:tnLst>
-  </p:timing>
 </p:sld>
 </file>
 
@@ -2495,33 +2468,6 @@
       </p:pic>
     </p:spTree>
   </p:cSld>
-  <p:timing>
-    <p:tnLst>
-      <p:par>
-        <p:cTn id="19" dur="indefinite" restart="never" nodeType="tmRoot">
-          <p:childTnLst>
-            <p:seq>
-              <p:cTn id="20" nodeType="mainSeq"/>
-              <p:prevCondLst>
-                <p:cond delay="0" evt="onPrev">
-                  <p:tgtEl>
-                    <p:sldTgt/>
-                  </p:tgtEl>
-                </p:cond>
-              </p:prevCondLst>
-              <p:nextCondLst>
-                <p:cond delay="0" evt="onNext">
-                  <p:tgtEl>
-                    <p:sldTgt/>
-                  </p:tgtEl>
-                </p:cond>
-              </p:nextCondLst>
-            </p:seq>
-          </p:childTnLst>
-        </p:cTn>
-      </p:par>
-    </p:tnLst>
-  </p:timing>
 </p:sld>
 </file>
 
@@ -2879,33 +2825,6 @@
       </p:pic>
     </p:spTree>
   </p:cSld>
-  <p:timing>
-    <p:tnLst>
-      <p:par>
-        <p:cTn id="21" dur="indefinite" restart="never" nodeType="tmRoot">
-          <p:childTnLst>
-            <p:seq>
-              <p:cTn id="22" nodeType="mainSeq"/>
-              <p:prevCondLst>
-                <p:cond delay="0" evt="onPrev">
-                  <p:tgtEl>
-                    <p:sldTgt/>
-                  </p:tgtEl>
-                </p:cond>
-              </p:prevCondLst>
-              <p:nextCondLst>
-                <p:cond delay="0" evt="onNext">
-                  <p:tgtEl>
-                    <p:sldTgt/>
-                  </p:tgtEl>
-                </p:cond>
-              </p:nextCondLst>
-            </p:seq>
-          </p:childTnLst>
-        </p:cTn>
-      </p:par>
-    </p:tnLst>
-  </p:timing>
 </p:sld>
 </file>
 
@@ -2979,7 +2898,7 @@
                 <a:latin typeface="Arial"/>
                 <a:ea typeface="Arial"/>
               </a:rPr>
-              <a:t>To win the reward, Barry or Team A must succeed.</a:t>
+              <a:t>To win the reward, Barry or Team A  or both must succeed.</a:t>
             </a:r>
             <a:endParaRPr b="0" lang="en-US" sz="1800" spc="-1" strike="noStrike">
               <a:solidFill>
@@ -3575,33 +3494,6 @@
       </p:pic>
     </p:spTree>
   </p:cSld>
-  <p:timing>
-    <p:tnLst>
-      <p:par>
-        <p:cTn id="23" dur="indefinite" restart="never" nodeType="tmRoot">
-          <p:childTnLst>
-            <p:seq>
-              <p:cTn id="24" nodeType="mainSeq"/>
-              <p:prevCondLst>
-                <p:cond delay="0" evt="onPrev">
-                  <p:tgtEl>
-                    <p:sldTgt/>
-                  </p:tgtEl>
-                </p:cond>
-              </p:prevCondLst>
-              <p:nextCondLst>
-                <p:cond delay="0" evt="onNext">
-                  <p:tgtEl>
-                    <p:sldTgt/>
-                  </p:tgtEl>
-                </p:cond>
-              </p:nextCondLst>
-            </p:seq>
-          </p:childTnLst>
-        </p:cTn>
-      </p:par>
-    </p:tnLst>
-  </p:timing>
 </p:sld>
 </file>
 
@@ -4245,33 +4137,6 @@
       </p:sp>
     </p:spTree>
   </p:cSld>
-  <p:timing>
-    <p:tnLst>
-      <p:par>
-        <p:cTn id="25" dur="indefinite" restart="never" nodeType="tmRoot">
-          <p:childTnLst>
-            <p:seq>
-              <p:cTn id="26" nodeType="mainSeq"/>
-              <p:prevCondLst>
-                <p:cond delay="0" evt="onPrev">
-                  <p:tgtEl>
-                    <p:sldTgt/>
-                  </p:tgtEl>
-                </p:cond>
-              </p:prevCondLst>
-              <p:nextCondLst>
-                <p:cond delay="0" evt="onNext">
-                  <p:tgtEl>
-                    <p:sldTgt/>
-                  </p:tgtEl>
-                </p:cond>
-              </p:nextCondLst>
-            </p:seq>
-          </p:childTnLst>
-        </p:cTn>
-      </p:par>
-    </p:tnLst>
-  </p:timing>
 </p:sld>
 </file>
 
@@ -4426,33 +4291,6 @@
       </p:pic>
     </p:spTree>
   </p:cSld>
-  <p:timing>
-    <p:tnLst>
-      <p:par>
-        <p:cTn id="3" dur="indefinite" restart="never" nodeType="tmRoot">
-          <p:childTnLst>
-            <p:seq>
-              <p:cTn id="4" nodeType="mainSeq"/>
-              <p:prevCondLst>
-                <p:cond delay="0" evt="onPrev">
-                  <p:tgtEl>
-                    <p:sldTgt/>
-                  </p:tgtEl>
-                </p:cond>
-              </p:prevCondLst>
-              <p:nextCondLst>
-                <p:cond delay="0" evt="onNext">
-                  <p:tgtEl>
-                    <p:sldTgt/>
-                  </p:tgtEl>
-                </p:cond>
-              </p:nextCondLst>
-            </p:seq>
-          </p:childTnLst>
-        </p:cTn>
-      </p:par>
-    </p:tnLst>
-  </p:timing>
 </p:sld>
 </file>
 
@@ -4886,33 +4724,6 @@
       </p:pic>
     </p:spTree>
   </p:cSld>
-  <p:timing>
-    <p:tnLst>
-      <p:par>
-        <p:cTn id="5" dur="indefinite" restart="never" nodeType="tmRoot">
-          <p:childTnLst>
-            <p:seq>
-              <p:cTn id="6" nodeType="mainSeq"/>
-              <p:prevCondLst>
-                <p:cond delay="0" evt="onPrev">
-                  <p:tgtEl>
-                    <p:sldTgt/>
-                  </p:tgtEl>
-                </p:cond>
-              </p:prevCondLst>
-              <p:nextCondLst>
-                <p:cond delay="0" evt="onNext">
-                  <p:tgtEl>
-                    <p:sldTgt/>
-                  </p:tgtEl>
-                </p:cond>
-              </p:nextCondLst>
-            </p:seq>
-          </p:childTnLst>
-        </p:cTn>
-      </p:par>
-    </p:tnLst>
-  </p:timing>
 </p:sld>
 </file>
 
@@ -5282,33 +5093,6 @@
       </p:pic>
     </p:spTree>
   </p:cSld>
-  <p:timing>
-    <p:tnLst>
-      <p:par>
-        <p:cTn id="7" dur="indefinite" restart="never" nodeType="tmRoot">
-          <p:childTnLst>
-            <p:seq>
-              <p:cTn id="8" nodeType="mainSeq"/>
-              <p:prevCondLst>
-                <p:cond delay="0" evt="onPrev">
-                  <p:tgtEl>
-                    <p:sldTgt/>
-                  </p:tgtEl>
-                </p:cond>
-              </p:prevCondLst>
-              <p:nextCondLst>
-                <p:cond delay="0" evt="onNext">
-                  <p:tgtEl>
-                    <p:sldTgt/>
-                  </p:tgtEl>
-                </p:cond>
-              </p:nextCondLst>
-            </p:seq>
-          </p:childTnLst>
-        </p:cTn>
-      </p:par>
-    </p:tnLst>
-  </p:timing>
 </p:sld>
 </file>
 
@@ -5726,33 +5510,6 @@
       </p:pic>
     </p:spTree>
   </p:cSld>
-  <p:timing>
-    <p:tnLst>
-      <p:par>
-        <p:cTn id="9" dur="indefinite" restart="never" nodeType="tmRoot">
-          <p:childTnLst>
-            <p:seq>
-              <p:cTn id="10" nodeType="mainSeq"/>
-              <p:prevCondLst>
-                <p:cond delay="0" evt="onPrev">
-                  <p:tgtEl>
-                    <p:sldTgt/>
-                  </p:tgtEl>
-                </p:cond>
-              </p:prevCondLst>
-              <p:nextCondLst>
-                <p:cond delay="0" evt="onNext">
-                  <p:tgtEl>
-                    <p:sldTgt/>
-                  </p:tgtEl>
-                </p:cond>
-              </p:nextCondLst>
-            </p:seq>
-          </p:childTnLst>
-        </p:cTn>
-      </p:par>
-    </p:tnLst>
-  </p:timing>
 </p:sld>
 </file>
 
@@ -6080,33 +5837,6 @@
       </p:pic>
     </p:spTree>
   </p:cSld>
-  <p:timing>
-    <p:tnLst>
-      <p:par>
-        <p:cTn id="11" dur="indefinite" restart="never" nodeType="tmRoot">
-          <p:childTnLst>
-            <p:seq>
-              <p:cTn id="12" nodeType="mainSeq"/>
-              <p:prevCondLst>
-                <p:cond delay="0" evt="onPrev">
-                  <p:tgtEl>
-                    <p:sldTgt/>
-                  </p:tgtEl>
-                </p:cond>
-              </p:prevCondLst>
-              <p:nextCondLst>
-                <p:cond delay="0" evt="onNext">
-                  <p:tgtEl>
-                    <p:sldTgt/>
-                  </p:tgtEl>
-                </p:cond>
-              </p:nextCondLst>
-            </p:seq>
-          </p:childTnLst>
-        </p:cTn>
-      </p:par>
-    </p:tnLst>
-  </p:timing>
 </p:sld>
 </file>
 
@@ -6722,33 +6452,6 @@
       </p:pic>
     </p:spTree>
   </p:cSld>
-  <p:timing>
-    <p:tnLst>
-      <p:par>
-        <p:cTn id="13" dur="indefinite" restart="never" nodeType="tmRoot">
-          <p:childTnLst>
-            <p:seq>
-              <p:cTn id="14" nodeType="mainSeq"/>
-              <p:prevCondLst>
-                <p:cond delay="0" evt="onPrev">
-                  <p:tgtEl>
-                    <p:sldTgt/>
-                  </p:tgtEl>
-                </p:cond>
-              </p:prevCondLst>
-              <p:nextCondLst>
-                <p:cond delay="0" evt="onNext">
-                  <p:tgtEl>
-                    <p:sldTgt/>
-                  </p:tgtEl>
-                </p:cond>
-              </p:nextCondLst>
-            </p:seq>
-          </p:childTnLst>
-        </p:cTn>
-      </p:par>
-    </p:tnLst>
-  </p:timing>
 </p:sld>
 </file>
 
@@ -7040,33 +6743,6 @@
       </p:pic>
     </p:spTree>
   </p:cSld>
-  <p:timing>
-    <p:tnLst>
-      <p:par>
-        <p:cTn id="15" dur="indefinite" restart="never" nodeType="tmRoot">
-          <p:childTnLst>
-            <p:seq>
-              <p:cTn id="16" nodeType="mainSeq"/>
-              <p:prevCondLst>
-                <p:cond delay="0" evt="onPrev">
-                  <p:tgtEl>
-                    <p:sldTgt/>
-                  </p:tgtEl>
-                </p:cond>
-              </p:prevCondLst>
-              <p:nextCondLst>
-                <p:cond delay="0" evt="onNext">
-                  <p:tgtEl>
-                    <p:sldTgt/>
-                  </p:tgtEl>
-                </p:cond>
-              </p:nextCondLst>
-            </p:seq>
-          </p:childTnLst>
-        </p:cTn>
-      </p:par>
-    </p:tnLst>
-  </p:timing>
 </p:sld>
 </file>
 
@@ -7246,33 +6922,6 @@
       </p:pic>
     </p:spTree>
   </p:cSld>
-  <p:timing>
-    <p:tnLst>
-      <p:par>
-        <p:cTn id="17" dur="indefinite" restart="never" nodeType="tmRoot">
-          <p:childTnLst>
-            <p:seq>
-              <p:cTn id="18" nodeType="mainSeq"/>
-              <p:prevCondLst>
-                <p:cond delay="0" evt="onPrev">
-                  <p:tgtEl>
-                    <p:sldTgt/>
-                  </p:tgtEl>
-                </p:cond>
-              </p:prevCondLst>
-              <p:nextCondLst>
-                <p:cond delay="0" evt="onNext">
-                  <p:tgtEl>
-                    <p:sldTgt/>
-                  </p:tgtEl>
-                </p:cond>
-              </p:nextCondLst>
-            </p:seq>
-          </p:childTnLst>
-        </p:cTn>
-      </p:par>
-    </p:tnLst>
-  </p:timing>
 </p:sld>
 </file>
 

--- a/src/experiment/static/images/instructions/Tutorial.pptx
+++ b/src/experiment/static/images/instructions/Tutorial.pptx
@@ -17,7 +17,6 @@
     <p:sldId id="265" r:id="rId12"/>
     <p:sldId id="266" r:id="rId13"/>
     <p:sldId id="267" r:id="rId14"/>
-    <p:sldId id="268" r:id="rId15"/>
   </p:sldIdLst>
   <p:sldSz cx="9144000" cy="5143500"/>
   <p:notesSz cx="7772400" cy="10058400"/>
@@ -76,7 +75,7 @@
         <p:spPr>
           <a:xfrm>
             <a:off x="311760" y="418320"/>
-            <a:ext cx="8519040" cy="625320"/>
+            <a:ext cx="8518680" cy="625320"/>
           </a:xfrm>
           <a:prstGeom prst="rect">
             <a:avLst/>
@@ -207,7 +206,7 @@
         <p:spPr>
           <a:xfrm>
             <a:off x="311760" y="418320"/>
-            <a:ext cx="8519040" cy="625320"/>
+            <a:ext cx="8518680" cy="625320"/>
           </a:xfrm>
           <a:prstGeom prst="rect">
             <a:avLst/>
@@ -410,7 +409,7 @@
         <p:spPr>
           <a:xfrm>
             <a:off x="311760" y="418320"/>
-            <a:ext cx="8519040" cy="625320"/>
+            <a:ext cx="8518680" cy="625320"/>
           </a:xfrm>
           <a:prstGeom prst="rect">
             <a:avLst/>
@@ -587,7 +586,7 @@
         <p:spPr>
           <a:xfrm>
             <a:off x="311760" y="418320"/>
-            <a:ext cx="8519040" cy="625320"/>
+            <a:ext cx="8518680" cy="625320"/>
           </a:xfrm>
           <a:prstGeom prst="rect">
             <a:avLst/>
@@ -683,7 +682,7 @@
         <p:spPr>
           <a:xfrm>
             <a:off x="311760" y="418320"/>
-            <a:ext cx="8519040" cy="625320"/>
+            <a:ext cx="8518680" cy="625320"/>
           </a:xfrm>
           <a:prstGeom prst="rect">
             <a:avLst/>
@@ -778,7 +777,7 @@
         <p:spPr>
           <a:xfrm>
             <a:off x="311760" y="418320"/>
-            <a:ext cx="8519040" cy="625320"/>
+            <a:ext cx="8518680" cy="625320"/>
           </a:xfrm>
           <a:prstGeom prst="rect">
             <a:avLst/>
@@ -909,7 +908,7 @@
         <p:spPr>
           <a:xfrm>
             <a:off x="311760" y="418320"/>
-            <a:ext cx="8519040" cy="625320"/>
+            <a:ext cx="8518680" cy="625320"/>
           </a:xfrm>
           <a:prstGeom prst="rect">
             <a:avLst/>
@@ -968,7 +967,7 @@
         <p:spPr>
           <a:xfrm>
             <a:off x="311760" y="418320"/>
-            <a:ext cx="8519040" cy="2898360"/>
+            <a:ext cx="8518680" cy="2898360"/>
           </a:xfrm>
           <a:prstGeom prst="rect">
             <a:avLst/>
@@ -1027,7 +1026,7 @@
         <p:spPr>
           <a:xfrm>
             <a:off x="311760" y="418320"/>
-            <a:ext cx="8519040" cy="625320"/>
+            <a:ext cx="8518680" cy="625320"/>
           </a:xfrm>
           <a:prstGeom prst="rect">
             <a:avLst/>
@@ -1194,7 +1193,7 @@
         <p:spPr>
           <a:xfrm>
             <a:off x="311760" y="418320"/>
-            <a:ext cx="8519040" cy="625320"/>
+            <a:ext cx="8518680" cy="625320"/>
           </a:xfrm>
           <a:prstGeom prst="rect">
             <a:avLst/>
@@ -1361,7 +1360,7 @@
         <p:spPr>
           <a:xfrm>
             <a:off x="311760" y="418320"/>
-            <a:ext cx="8519040" cy="625320"/>
+            <a:ext cx="8518680" cy="625320"/>
           </a:xfrm>
           <a:prstGeom prst="rect">
             <a:avLst/>
@@ -1535,7 +1534,7 @@
         <p:spPr>
           <a:xfrm>
             <a:off x="311760" y="418320"/>
-            <a:ext cx="8519040" cy="624960"/>
+            <a:ext cx="8518680" cy="624960"/>
           </a:xfrm>
           <a:prstGeom prst="rect">
             <a:avLst/>
@@ -1880,7 +1879,7 @@
         <p:spPr>
           <a:xfrm>
             <a:off x="311760" y="414720"/>
-            <a:ext cx="8519040" cy="4314600"/>
+            <a:ext cx="8518680" cy="4314240"/>
           </a:xfrm>
           <a:prstGeom prst="rect">
             <a:avLst/>
@@ -2120,6 +2119,33 @@
       </p:sp>
     </p:spTree>
   </p:cSld>
+  <p:timing>
+    <p:tnLst>
+      <p:par>
+        <p:cTn id="1" dur="indefinite" restart="never" nodeType="tmRoot">
+          <p:childTnLst>
+            <p:seq>
+              <p:cTn id="2" nodeType="mainSeq"/>
+              <p:prevCondLst>
+                <p:cond delay="0" evt="onPrev">
+                  <p:tgtEl>
+                    <p:sldTgt/>
+                  </p:tgtEl>
+                </p:cond>
+              </p:prevCondLst>
+              <p:nextCondLst>
+                <p:cond delay="0" evt="onNext">
+                  <p:tgtEl>
+                    <p:sldTgt/>
+                  </p:tgtEl>
+                </p:cond>
+              </p:nextCondLst>
+            </p:seq>
+          </p:childTnLst>
+        </p:cTn>
+      </p:par>
+    </p:tnLst>
+  </p:timing>
 </p:sld>
 </file>
 
@@ -2155,8 +2181,8 @@
         </p:nvSpPr>
         <p:spPr>
           <a:xfrm>
-            <a:off x="312120" y="516240"/>
-            <a:ext cx="8519040" cy="4111560"/>
+            <a:off x="312840" y="414720"/>
+            <a:ext cx="8518680" cy="4314240"/>
           </a:xfrm>
           <a:prstGeom prst="rect">
             <a:avLst/>
@@ -2180,6 +2206,24 @@
                 <a:spcPct val="100000"/>
               </a:lnSpc>
             </a:pPr>
+            <a:endParaRPr b="0" lang="en-US" sz="1800" spc="-1" strike="noStrike">
+              <a:solidFill>
+                <a:srgbClr val="000000"/>
+              </a:solidFill>
+              <a:uFill>
+                <a:solidFill>
+                  <a:srgbClr val="ffffff"/>
+                </a:solidFill>
+              </a:uFill>
+              <a:latin typeface="Arial"/>
+            </a:endParaRPr>
+          </a:p>
+          <a:p>
+            <a:pPr algn="ctr">
+              <a:lnSpc>
+                <a:spcPct val="100000"/>
+              </a:lnSpc>
+            </a:pPr>
             <a:r>
               <a:rPr b="0" lang="en-US" sz="2400" spc="-1" strike="noStrike">
                 <a:solidFill>
@@ -2193,7 +2237,7 @@
                 <a:latin typeface="Arial"/>
                 <a:ea typeface="Arial"/>
               </a:rPr>
-              <a:t>The number 1 next to the Office Goal, indicates that at least 1 employee/team has to succeed in order to meet the Office Goal.</a:t>
+              <a:t>A check mark means the office met their goal.</a:t>
             </a:r>
             <a:endParaRPr b="0" lang="en-US" sz="1800" spc="-1" strike="noStrike">
               <a:solidFill>
@@ -2303,110 +2347,158 @@
                 <a:spcPct val="100000"/>
               </a:lnSpc>
             </a:pPr>
-            <a:endParaRPr b="0" lang="en-US" sz="1800" spc="-1" strike="noStrike">
-              <a:solidFill>
-                <a:srgbClr val="000000"/>
-              </a:solidFill>
-              <a:uFill>
-                <a:solidFill>
-                  <a:srgbClr val="ffffff"/>
-                </a:solidFill>
-              </a:uFill>
-              <a:latin typeface="Arial"/>
-            </a:endParaRPr>
-          </a:p>
-          <a:p>
-            <a:pPr algn="ctr">
-              <a:lnSpc>
-                <a:spcPct val="100000"/>
-              </a:lnSpc>
-            </a:pPr>
-            <a:endParaRPr b="0" lang="en-US" sz="1800" spc="-1" strike="noStrike">
-              <a:solidFill>
-                <a:srgbClr val="000000"/>
-              </a:solidFill>
-              <a:uFill>
-                <a:solidFill>
-                  <a:srgbClr val="ffffff"/>
-                </a:solidFill>
-              </a:uFill>
-              <a:latin typeface="Arial"/>
-            </a:endParaRPr>
-          </a:p>
-          <a:p>
-            <a:pPr algn="ctr">
-              <a:lnSpc>
-                <a:spcPct val="100000"/>
-              </a:lnSpc>
-            </a:pPr>
-            <a:endParaRPr b="0" lang="en-US" sz="1800" spc="-1" strike="noStrike">
-              <a:solidFill>
-                <a:srgbClr val="000000"/>
-              </a:solidFill>
-              <a:uFill>
-                <a:solidFill>
-                  <a:srgbClr val="ffffff"/>
-                </a:solidFill>
-              </a:uFill>
-              <a:latin typeface="Arial"/>
-            </a:endParaRPr>
-          </a:p>
-          <a:p>
-            <a:pPr algn="ctr">
-              <a:lnSpc>
-                <a:spcPct val="100000"/>
-              </a:lnSpc>
-            </a:pPr>
-            <a:endParaRPr b="0" lang="en-US" sz="1800" spc="-1" strike="noStrike">
-              <a:solidFill>
-                <a:srgbClr val="000000"/>
-              </a:solidFill>
-              <a:uFill>
-                <a:solidFill>
-                  <a:srgbClr val="ffffff"/>
-                </a:solidFill>
-              </a:uFill>
-              <a:latin typeface="Arial"/>
-            </a:endParaRPr>
-          </a:p>
-          <a:p>
-            <a:pPr algn="ctr">
-              <a:lnSpc>
-                <a:spcPct val="100000"/>
-              </a:lnSpc>
-            </a:pPr>
-            <a:endParaRPr b="0" lang="en-US" sz="1800" spc="-1" strike="noStrike">
-              <a:solidFill>
-                <a:srgbClr val="000000"/>
-              </a:solidFill>
-              <a:uFill>
-                <a:solidFill>
-                  <a:srgbClr val="ffffff"/>
-                </a:solidFill>
-              </a:uFill>
-              <a:latin typeface="Arial"/>
-            </a:endParaRPr>
-          </a:p>
-          <a:p>
-            <a:pPr algn="ctr">
-              <a:lnSpc>
-                <a:spcPct val="100000"/>
-              </a:lnSpc>
-            </a:pPr>
-            <a:endParaRPr b="0" lang="en-US" sz="1800" spc="-1" strike="noStrike">
-              <a:solidFill>
-                <a:srgbClr val="000000"/>
-              </a:solidFill>
-              <a:uFill>
-                <a:solidFill>
-                  <a:srgbClr val="ffffff"/>
-                </a:solidFill>
-              </a:uFill>
-              <a:latin typeface="Arial"/>
-            </a:endParaRPr>
-          </a:p>
-          <a:p>
-            <a:pPr algn="ctr">
+            <a:r>
+              <a:rPr b="0" lang="en-US" sz="2400" spc="-1" strike="noStrike">
+                <a:solidFill>
+                  <a:srgbClr val="000000"/>
+                </a:solidFill>
+                <a:uFill>
+                  <a:solidFill>
+                    <a:srgbClr val="ffffff"/>
+                  </a:solidFill>
+                </a:uFill>
+                <a:latin typeface="Arial"/>
+                <a:ea typeface="Arial"/>
+              </a:rPr>
+              <a:t>An X means the office did not meet their goal. </a:t>
+            </a:r>
+            <a:endParaRPr b="0" lang="en-US" sz="1800" spc="-1" strike="noStrike">
+              <a:solidFill>
+                <a:srgbClr val="000000"/>
+              </a:solidFill>
+              <a:uFill>
+                <a:solidFill>
+                  <a:srgbClr val="ffffff"/>
+                </a:solidFill>
+              </a:uFill>
+              <a:latin typeface="Arial"/>
+            </a:endParaRPr>
+          </a:p>
+          <a:p>
+            <a:pPr>
+              <a:lnSpc>
+                <a:spcPct val="100000"/>
+              </a:lnSpc>
+            </a:pPr>
+            <a:endParaRPr b="0" lang="en-US" sz="1800" spc="-1" strike="noStrike">
+              <a:solidFill>
+                <a:srgbClr val="000000"/>
+              </a:solidFill>
+              <a:uFill>
+                <a:solidFill>
+                  <a:srgbClr val="ffffff"/>
+                </a:solidFill>
+              </a:uFill>
+              <a:latin typeface="Arial"/>
+            </a:endParaRPr>
+          </a:p>
+          <a:p>
+            <a:pPr algn="ctr">
+              <a:lnSpc>
+                <a:spcPct val="100000"/>
+              </a:lnSpc>
+            </a:pPr>
+            <a:r>
+              <a:rPr b="0" lang="en-US" sz="2400" spc="-1" strike="noStrike">
+                <a:solidFill>
+                  <a:srgbClr val="000000"/>
+                </a:solidFill>
+                <a:uFill>
+                  <a:solidFill>
+                    <a:srgbClr val="ffffff"/>
+                  </a:solidFill>
+                </a:uFill>
+                <a:latin typeface="Arial"/>
+                <a:ea typeface="Arial"/>
+              </a:rPr>
+              <a:t> </a:t>
+            </a:r>
+            <a:endParaRPr b="0" lang="en-US" sz="1800" spc="-1" strike="noStrike">
+              <a:solidFill>
+                <a:srgbClr val="000000"/>
+              </a:solidFill>
+              <a:uFill>
+                <a:solidFill>
+                  <a:srgbClr val="ffffff"/>
+                </a:solidFill>
+              </a:uFill>
+              <a:latin typeface="Arial"/>
+            </a:endParaRPr>
+          </a:p>
+          <a:p>
+            <a:pPr>
+              <a:lnSpc>
+                <a:spcPct val="100000"/>
+              </a:lnSpc>
+            </a:pPr>
+            <a:endParaRPr b="0" lang="en-US" sz="1800" spc="-1" strike="noStrike">
+              <a:solidFill>
+                <a:srgbClr val="000000"/>
+              </a:solidFill>
+              <a:uFill>
+                <a:solidFill>
+                  <a:srgbClr val="ffffff"/>
+                </a:solidFill>
+              </a:uFill>
+              <a:latin typeface="Arial"/>
+            </a:endParaRPr>
+          </a:p>
+          <a:p>
+            <a:pPr>
+              <a:lnSpc>
+                <a:spcPct val="100000"/>
+              </a:lnSpc>
+            </a:pPr>
+            <a:endParaRPr b="0" lang="en-US" sz="1800" spc="-1" strike="noStrike">
+              <a:solidFill>
+                <a:srgbClr val="000000"/>
+              </a:solidFill>
+              <a:uFill>
+                <a:solidFill>
+                  <a:srgbClr val="ffffff"/>
+                </a:solidFill>
+              </a:uFill>
+              <a:latin typeface="Arial"/>
+            </a:endParaRPr>
+          </a:p>
+          <a:p>
+            <a:pPr>
+              <a:lnSpc>
+                <a:spcPct val="100000"/>
+              </a:lnSpc>
+            </a:pPr>
+            <a:endParaRPr b="0" lang="en-US" sz="1800" spc="-1" strike="noStrike">
+              <a:solidFill>
+                <a:srgbClr val="000000"/>
+              </a:solidFill>
+              <a:uFill>
+                <a:solidFill>
+                  <a:srgbClr val="ffffff"/>
+                </a:solidFill>
+              </a:uFill>
+              <a:latin typeface="Arial"/>
+            </a:endParaRPr>
+          </a:p>
+          <a:p>
+            <a:pPr>
+              <a:lnSpc>
+                <a:spcPct val="100000"/>
+              </a:lnSpc>
+            </a:pPr>
+            <a:endParaRPr b="0" lang="en-US" sz="1800" spc="-1" strike="noStrike">
+              <a:solidFill>
+                <a:srgbClr val="000000"/>
+              </a:solidFill>
+              <a:uFill>
+                <a:solidFill>
+                  <a:srgbClr val="ffffff"/>
+                </a:solidFill>
+              </a:uFill>
+              <a:latin typeface="Arial"/>
+            </a:endParaRPr>
+          </a:p>
+          <a:p>
+            <a:pPr>
               <a:lnSpc>
                 <a:spcPct val="100000"/>
               </a:lnSpc>
@@ -2455,8 +2547,31 @@
         </p:blipFill>
         <p:spPr>
           <a:xfrm>
-            <a:off x="2926440" y="2011680"/>
-            <a:ext cx="3291120" cy="2495520"/>
+            <a:off x="4042440" y="1371600"/>
+            <a:ext cx="1059480" cy="1059480"/>
+          </a:xfrm>
+          <a:prstGeom prst="rect">
+            <a:avLst/>
+          </a:prstGeom>
+          <a:ln>
+            <a:noFill/>
+          </a:ln>
+        </p:spPr>
+      </p:pic>
+      <p:pic>
+        <p:nvPicPr>
+          <p:cNvPr id="55" name="" descr=""/>
+          <p:cNvPicPr/>
+          <p:nvPr/>
+        </p:nvPicPr>
+        <p:blipFill>
+          <a:blip r:embed="rId2"/>
+          <a:stretch/>
+        </p:blipFill>
+        <p:spPr>
+          <a:xfrm>
+            <a:off x="4042080" y="3127680"/>
+            <a:ext cx="1060200" cy="1078560"/>
           </a:xfrm>
           <a:prstGeom prst="rect">
             <a:avLst/>
@@ -2468,6 +2583,33 @@
       </p:pic>
     </p:spTree>
   </p:cSld>
+  <p:timing>
+    <p:tnLst>
+      <p:par>
+        <p:cTn id="19" dur="indefinite" restart="never" nodeType="tmRoot">
+          <p:childTnLst>
+            <p:seq>
+              <p:cTn id="20" nodeType="mainSeq"/>
+              <p:prevCondLst>
+                <p:cond delay="0" evt="onPrev">
+                  <p:tgtEl>
+                    <p:sldTgt/>
+                  </p:tgtEl>
+                </p:cond>
+              </p:prevCondLst>
+              <p:nextCondLst>
+                <p:cond delay="0" evt="onNext">
+                  <p:tgtEl>
+                    <p:sldTgt/>
+                  </p:tgtEl>
+                </p:cond>
+              </p:nextCondLst>
+            </p:seq>
+          </p:childTnLst>
+        </p:cTn>
+      </p:par>
+    </p:tnLst>
+  </p:timing>
 </p:sld>
 </file>
 
@@ -2497,14 +2639,14 @@
       </p:grpSpPr>
       <p:sp>
         <p:nvSpPr>
-          <p:cNvPr id="55" name="CustomShape 1"/>
+          <p:cNvPr id="56" name="CustomShape 1"/>
           <p:cNvSpPr/>
           <p:nvPr/>
         </p:nvSpPr>
         <p:spPr>
           <a:xfrm>
-            <a:off x="312480" y="414720"/>
-            <a:ext cx="8519040" cy="4314600"/>
+            <a:off x="312120" y="516240"/>
+            <a:ext cx="8518680" cy="4111200"/>
           </a:xfrm>
           <a:prstGeom prst="rect">
             <a:avLst/>
@@ -2523,7 +2665,11 @@
         <p:txBody>
           <a:bodyPr lIns="90000" rIns="90000" tIns="91440" bIns="91440"/>
           <a:p>
-            <a:pPr algn="ctr"/>
+            <a:pPr algn="ctr">
+              <a:lnSpc>
+                <a:spcPct val="100000"/>
+              </a:lnSpc>
+            </a:pPr>
             <a:r>
               <a:rPr b="0" lang="en-US" sz="2400" spc="-1" strike="noStrike">
                 <a:solidFill>
@@ -2537,7 +2683,7 @@
                 <a:latin typeface="Arial"/>
                 <a:ea typeface="Arial"/>
               </a:rPr>
-              <a:t>A check mark means the office met their goal.</a:t>
+              <a:t>To win the reward, Barry or Team A  or both must succeed.</a:t>
             </a:r>
             <a:endParaRPr b="0" lang="en-US" sz="1800" spc="-1" strike="noStrike">
               <a:solidFill>
@@ -2552,77 +2698,209 @@
             </a:endParaRPr>
           </a:p>
           <a:p>
-            <a:pPr algn="ctr"/>
-            <a:endParaRPr b="0" lang="en-US" sz="1800" spc="-1" strike="noStrike">
-              <a:solidFill>
-                <a:srgbClr val="000000"/>
-              </a:solidFill>
-              <a:uFill>
-                <a:solidFill>
-                  <a:srgbClr val="ffffff"/>
-                </a:solidFill>
-              </a:uFill>
-              <a:latin typeface="Arial"/>
-            </a:endParaRPr>
-          </a:p>
-          <a:p>
-            <a:pPr algn="ctr"/>
-            <a:endParaRPr b="0" lang="en-US" sz="1800" spc="-1" strike="noStrike">
-              <a:solidFill>
-                <a:srgbClr val="000000"/>
-              </a:solidFill>
-              <a:uFill>
-                <a:solidFill>
-                  <a:srgbClr val="ffffff"/>
-                </a:solidFill>
-              </a:uFill>
-              <a:latin typeface="Arial"/>
-            </a:endParaRPr>
-          </a:p>
-          <a:p>
-            <a:pPr algn="ctr"/>
-            <a:endParaRPr b="0" lang="en-US" sz="1800" spc="-1" strike="noStrike">
-              <a:solidFill>
-                <a:srgbClr val="000000"/>
-              </a:solidFill>
-              <a:uFill>
-                <a:solidFill>
-                  <a:srgbClr val="ffffff"/>
-                </a:solidFill>
-              </a:uFill>
-              <a:latin typeface="Arial"/>
-            </a:endParaRPr>
-          </a:p>
-          <a:p>
-            <a:pPr algn="ctr"/>
-            <a:endParaRPr b="0" lang="en-US" sz="1800" spc="-1" strike="noStrike">
-              <a:solidFill>
-                <a:srgbClr val="000000"/>
-              </a:solidFill>
-              <a:uFill>
-                <a:solidFill>
-                  <a:srgbClr val="ffffff"/>
-                </a:solidFill>
-              </a:uFill>
-              <a:latin typeface="Arial"/>
-            </a:endParaRPr>
-          </a:p>
-          <a:p>
-            <a:pPr algn="ctr"/>
-            <a:endParaRPr b="0" lang="en-US" sz="1800" spc="-1" strike="noStrike">
-              <a:solidFill>
-                <a:srgbClr val="000000"/>
-              </a:solidFill>
-              <a:uFill>
-                <a:solidFill>
-                  <a:srgbClr val="ffffff"/>
-                </a:solidFill>
-              </a:uFill>
-              <a:latin typeface="Arial"/>
-            </a:endParaRPr>
-          </a:p>
-          <a:p>
-            <a:pPr algn="ctr"/>
+            <a:pPr algn="ctr">
+              <a:lnSpc>
+                <a:spcPct val="100000"/>
+              </a:lnSpc>
+            </a:pPr>
+            <a:endParaRPr b="0" lang="en-US" sz="1800" spc="-1" strike="noStrike">
+              <a:solidFill>
+                <a:srgbClr val="000000"/>
+              </a:solidFill>
+              <a:uFill>
+                <a:solidFill>
+                  <a:srgbClr val="ffffff"/>
+                </a:solidFill>
+              </a:uFill>
+              <a:latin typeface="Arial"/>
+            </a:endParaRPr>
+          </a:p>
+          <a:p>
+            <a:pPr algn="ctr">
+              <a:lnSpc>
+                <a:spcPct val="100000"/>
+              </a:lnSpc>
+            </a:pPr>
+            <a:endParaRPr b="0" lang="en-US" sz="1800" spc="-1" strike="noStrike">
+              <a:solidFill>
+                <a:srgbClr val="000000"/>
+              </a:solidFill>
+              <a:uFill>
+                <a:solidFill>
+                  <a:srgbClr val="ffffff"/>
+                </a:solidFill>
+              </a:uFill>
+              <a:latin typeface="Arial"/>
+            </a:endParaRPr>
+          </a:p>
+          <a:p>
+            <a:pPr algn="ctr">
+              <a:lnSpc>
+                <a:spcPct val="100000"/>
+              </a:lnSpc>
+            </a:pPr>
+            <a:endParaRPr b="0" lang="en-US" sz="1800" spc="-1" strike="noStrike">
+              <a:solidFill>
+                <a:srgbClr val="000000"/>
+              </a:solidFill>
+              <a:uFill>
+                <a:solidFill>
+                  <a:srgbClr val="ffffff"/>
+                </a:solidFill>
+              </a:uFill>
+              <a:latin typeface="Arial"/>
+            </a:endParaRPr>
+          </a:p>
+          <a:p>
+            <a:pPr algn="ctr">
+              <a:lnSpc>
+                <a:spcPct val="100000"/>
+              </a:lnSpc>
+            </a:pPr>
+            <a:endParaRPr b="0" lang="en-US" sz="1800" spc="-1" strike="noStrike">
+              <a:solidFill>
+                <a:srgbClr val="000000"/>
+              </a:solidFill>
+              <a:uFill>
+                <a:solidFill>
+                  <a:srgbClr val="ffffff"/>
+                </a:solidFill>
+              </a:uFill>
+              <a:latin typeface="Arial"/>
+            </a:endParaRPr>
+          </a:p>
+          <a:p>
+            <a:pPr algn="ctr">
+              <a:lnSpc>
+                <a:spcPct val="100000"/>
+              </a:lnSpc>
+            </a:pPr>
+            <a:endParaRPr b="0" lang="en-US" sz="1800" spc="-1" strike="noStrike">
+              <a:solidFill>
+                <a:srgbClr val="000000"/>
+              </a:solidFill>
+              <a:uFill>
+                <a:solidFill>
+                  <a:srgbClr val="ffffff"/>
+                </a:solidFill>
+              </a:uFill>
+              <a:latin typeface="Arial"/>
+            </a:endParaRPr>
+          </a:p>
+          <a:p>
+            <a:pPr algn="ctr">
+              <a:lnSpc>
+                <a:spcPct val="100000"/>
+              </a:lnSpc>
+            </a:pPr>
+            <a:endParaRPr b="0" lang="en-US" sz="1800" spc="-1" strike="noStrike">
+              <a:solidFill>
+                <a:srgbClr val="000000"/>
+              </a:solidFill>
+              <a:uFill>
+                <a:solidFill>
+                  <a:srgbClr val="ffffff"/>
+                </a:solidFill>
+              </a:uFill>
+              <a:latin typeface="Arial"/>
+            </a:endParaRPr>
+          </a:p>
+          <a:p>
+            <a:pPr algn="ctr">
+              <a:lnSpc>
+                <a:spcPct val="100000"/>
+              </a:lnSpc>
+            </a:pPr>
+            <a:endParaRPr b="0" lang="en-US" sz="1800" spc="-1" strike="noStrike">
+              <a:solidFill>
+                <a:srgbClr val="000000"/>
+              </a:solidFill>
+              <a:uFill>
+                <a:solidFill>
+                  <a:srgbClr val="ffffff"/>
+                </a:solidFill>
+              </a:uFill>
+              <a:latin typeface="Arial"/>
+            </a:endParaRPr>
+          </a:p>
+          <a:p>
+            <a:pPr algn="ctr">
+              <a:lnSpc>
+                <a:spcPct val="100000"/>
+              </a:lnSpc>
+            </a:pPr>
+            <a:endParaRPr b="0" lang="en-US" sz="1800" spc="-1" strike="noStrike">
+              <a:solidFill>
+                <a:srgbClr val="000000"/>
+              </a:solidFill>
+              <a:uFill>
+                <a:solidFill>
+                  <a:srgbClr val="ffffff"/>
+                </a:solidFill>
+              </a:uFill>
+              <a:latin typeface="Arial"/>
+            </a:endParaRPr>
+          </a:p>
+          <a:p>
+            <a:pPr algn="ctr">
+              <a:lnSpc>
+                <a:spcPct val="100000"/>
+              </a:lnSpc>
+            </a:pPr>
+            <a:endParaRPr b="0" lang="en-US" sz="1800" spc="-1" strike="noStrike">
+              <a:solidFill>
+                <a:srgbClr val="000000"/>
+              </a:solidFill>
+              <a:uFill>
+                <a:solidFill>
+                  <a:srgbClr val="ffffff"/>
+                </a:solidFill>
+              </a:uFill>
+              <a:latin typeface="Arial"/>
+            </a:endParaRPr>
+          </a:p>
+          <a:p>
+            <a:pPr algn="ctr">
+              <a:lnSpc>
+                <a:spcPct val="100000"/>
+              </a:lnSpc>
+            </a:pPr>
+            <a:endParaRPr b="0" lang="en-US" sz="1800" spc="-1" strike="noStrike">
+              <a:solidFill>
+                <a:srgbClr val="000000"/>
+              </a:solidFill>
+              <a:uFill>
+                <a:solidFill>
+                  <a:srgbClr val="ffffff"/>
+                </a:solidFill>
+              </a:uFill>
+              <a:latin typeface="Arial"/>
+            </a:endParaRPr>
+          </a:p>
+          <a:p>
+            <a:pPr algn="ctr">
+              <a:lnSpc>
+                <a:spcPct val="100000"/>
+              </a:lnSpc>
+            </a:pPr>
+            <a:endParaRPr b="0" lang="en-US" sz="1800" spc="-1" strike="noStrike">
+              <a:solidFill>
+                <a:srgbClr val="000000"/>
+              </a:solidFill>
+              <a:uFill>
+                <a:solidFill>
+                  <a:srgbClr val="ffffff"/>
+                </a:solidFill>
+              </a:uFill>
+              <a:latin typeface="Arial"/>
+            </a:endParaRPr>
+          </a:p>
+          <a:p>
+            <a:pPr algn="ctr">
+              <a:lnSpc>
+                <a:spcPct val="100000"/>
+              </a:lnSpc>
+            </a:pPr>
             <a:r>
               <a:rPr b="0" lang="en-US" sz="2400" spc="-1" strike="noStrike">
                 <a:solidFill>
@@ -2636,7 +2914,7 @@
                 <a:latin typeface="Arial"/>
                 <a:ea typeface="Arial"/>
               </a:rPr>
-              <a:t>An X means the office did not meet their goal. </a:t>
+              <a:t>The Office Goal was met because Barry succeeded.</a:t>
             </a:r>
             <a:endParaRPr b="0" lang="en-US" sz="1800" spc="-1" strike="noStrike">
               <a:solidFill>
@@ -2651,100 +2929,335 @@
             </a:endParaRPr>
           </a:p>
           <a:p>
-            <a:endParaRPr b="0" lang="en-US" sz="1800" spc="-1" strike="noStrike">
-              <a:solidFill>
-                <a:srgbClr val="000000"/>
-              </a:solidFill>
-              <a:uFill>
-                <a:solidFill>
-                  <a:srgbClr val="ffffff"/>
-                </a:solidFill>
-              </a:uFill>
-              <a:latin typeface="Arial"/>
-            </a:endParaRPr>
-          </a:p>
-          <a:p>
-            <a:pPr algn="ctr"/>
-            <a:r>
-              <a:rPr b="0" lang="en-US" sz="2400" spc="-1" strike="noStrike">
-                <a:solidFill>
-                  <a:srgbClr val="000000"/>
-                </a:solidFill>
-                <a:uFill>
-                  <a:solidFill>
-                    <a:srgbClr val="ffffff"/>
-                  </a:solidFill>
-                </a:uFill>
-                <a:latin typeface="Arial"/>
-                <a:ea typeface="Arial"/>
-              </a:rPr>
-              <a:t> </a:t>
-            </a:r>
-            <a:endParaRPr b="0" lang="en-US" sz="1800" spc="-1" strike="noStrike">
-              <a:solidFill>
-                <a:srgbClr val="000000"/>
-              </a:solidFill>
-              <a:uFill>
-                <a:solidFill>
-                  <a:srgbClr val="ffffff"/>
-                </a:solidFill>
-              </a:uFill>
-              <a:latin typeface="Arial"/>
-            </a:endParaRPr>
-          </a:p>
-          <a:p>
-            <a:endParaRPr b="0" lang="en-US" sz="1800" spc="-1" strike="noStrike">
-              <a:solidFill>
-                <a:srgbClr val="000000"/>
-              </a:solidFill>
-              <a:uFill>
-                <a:solidFill>
-                  <a:srgbClr val="ffffff"/>
-                </a:solidFill>
-              </a:uFill>
-              <a:latin typeface="Arial"/>
-            </a:endParaRPr>
-          </a:p>
-          <a:p>
-            <a:endParaRPr b="0" lang="en-US" sz="1800" spc="-1" strike="noStrike">
-              <a:solidFill>
-                <a:srgbClr val="000000"/>
-              </a:solidFill>
-              <a:uFill>
-                <a:solidFill>
-                  <a:srgbClr val="ffffff"/>
-                </a:solidFill>
-              </a:uFill>
-              <a:latin typeface="Arial"/>
-            </a:endParaRPr>
-          </a:p>
-          <a:p>
-            <a:endParaRPr b="0" lang="en-US" sz="1800" spc="-1" strike="noStrike">
-              <a:solidFill>
-                <a:srgbClr val="000000"/>
-              </a:solidFill>
-              <a:uFill>
-                <a:solidFill>
-                  <a:srgbClr val="ffffff"/>
-                </a:solidFill>
-              </a:uFill>
-              <a:latin typeface="Arial"/>
-            </a:endParaRPr>
-          </a:p>
-          <a:p>
-            <a:endParaRPr b="0" lang="en-US" sz="1800" spc="-1" strike="noStrike">
-              <a:solidFill>
-                <a:srgbClr val="000000"/>
-              </a:solidFill>
-              <a:uFill>
-                <a:solidFill>
-                  <a:srgbClr val="ffffff"/>
-                </a:solidFill>
-              </a:uFill>
-              <a:latin typeface="Arial"/>
-            </a:endParaRPr>
-          </a:p>
-          <a:p>
+            <a:pPr algn="ctr">
+              <a:lnSpc>
+                <a:spcPct val="100000"/>
+              </a:lnSpc>
+            </a:pPr>
+            <a:endParaRPr b="0" lang="en-US" sz="1800" spc="-1" strike="noStrike">
+              <a:solidFill>
+                <a:srgbClr val="000000"/>
+              </a:solidFill>
+              <a:uFill>
+                <a:solidFill>
+                  <a:srgbClr val="ffffff"/>
+                </a:solidFill>
+              </a:uFill>
+              <a:latin typeface="Arial"/>
+            </a:endParaRPr>
+          </a:p>
+          <a:p>
+            <a:pPr algn="ctr">
+              <a:lnSpc>
+                <a:spcPct val="100000"/>
+              </a:lnSpc>
+            </a:pPr>
+            <a:endParaRPr b="0" lang="en-US" sz="1800" spc="-1" strike="noStrike">
+              <a:solidFill>
+                <a:srgbClr val="000000"/>
+              </a:solidFill>
+              <a:uFill>
+                <a:solidFill>
+                  <a:srgbClr val="ffffff"/>
+                </a:solidFill>
+              </a:uFill>
+              <a:latin typeface="Arial"/>
+            </a:endParaRPr>
+          </a:p>
+          <a:p>
+            <a:pPr algn="ctr">
+              <a:lnSpc>
+                <a:spcPct val="100000"/>
+              </a:lnSpc>
+            </a:pPr>
+            <a:endParaRPr b="0" lang="en-US" sz="1800" spc="-1" strike="noStrike">
+              <a:solidFill>
+                <a:srgbClr val="000000"/>
+              </a:solidFill>
+              <a:uFill>
+                <a:solidFill>
+                  <a:srgbClr val="ffffff"/>
+                </a:solidFill>
+              </a:uFill>
+              <a:latin typeface="Arial"/>
+            </a:endParaRPr>
+          </a:p>
+          <a:p>
+            <a:pPr algn="ctr">
+              <a:lnSpc>
+                <a:spcPct val="100000"/>
+              </a:lnSpc>
+            </a:pPr>
+            <a:endParaRPr b="0" lang="en-US" sz="1800" spc="-1" strike="noStrike">
+              <a:solidFill>
+                <a:srgbClr val="000000"/>
+              </a:solidFill>
+              <a:uFill>
+                <a:solidFill>
+                  <a:srgbClr val="ffffff"/>
+                </a:solidFill>
+              </a:uFill>
+              <a:latin typeface="Arial"/>
+            </a:endParaRPr>
+          </a:p>
+          <a:p>
+            <a:pPr algn="ctr">
+              <a:lnSpc>
+                <a:spcPct val="100000"/>
+              </a:lnSpc>
+            </a:pPr>
+            <a:endParaRPr b="0" lang="en-US" sz="1800" spc="-1" strike="noStrike">
+              <a:solidFill>
+                <a:srgbClr val="000000"/>
+              </a:solidFill>
+              <a:uFill>
+                <a:solidFill>
+                  <a:srgbClr val="ffffff"/>
+                </a:solidFill>
+              </a:uFill>
+              <a:latin typeface="Arial"/>
+            </a:endParaRPr>
+          </a:p>
+          <a:p>
+            <a:pPr algn="ctr">
+              <a:lnSpc>
+                <a:spcPct val="100000"/>
+              </a:lnSpc>
+            </a:pPr>
+            <a:endParaRPr b="0" lang="en-US" sz="1800" spc="-1" strike="noStrike">
+              <a:solidFill>
+                <a:srgbClr val="000000"/>
+              </a:solidFill>
+              <a:uFill>
+                <a:solidFill>
+                  <a:srgbClr val="ffffff"/>
+                </a:solidFill>
+              </a:uFill>
+              <a:latin typeface="Arial"/>
+            </a:endParaRPr>
+          </a:p>
+          <a:p>
+            <a:pPr algn="ctr">
+              <a:lnSpc>
+                <a:spcPct val="100000"/>
+              </a:lnSpc>
+            </a:pPr>
+            <a:endParaRPr b="0" lang="en-US" sz="1800" spc="-1" strike="noStrike">
+              <a:solidFill>
+                <a:srgbClr val="000000"/>
+              </a:solidFill>
+              <a:uFill>
+                <a:solidFill>
+                  <a:srgbClr val="ffffff"/>
+                </a:solidFill>
+              </a:uFill>
+              <a:latin typeface="Arial"/>
+            </a:endParaRPr>
+          </a:p>
+          <a:p>
+            <a:pPr algn="ctr">
+              <a:lnSpc>
+                <a:spcPct val="100000"/>
+              </a:lnSpc>
+            </a:pPr>
+            <a:endParaRPr b="0" lang="en-US" sz="1800" spc="-1" strike="noStrike">
+              <a:solidFill>
+                <a:srgbClr val="000000"/>
+              </a:solidFill>
+              <a:uFill>
+                <a:solidFill>
+                  <a:srgbClr val="ffffff"/>
+                </a:solidFill>
+              </a:uFill>
+              <a:latin typeface="Arial"/>
+            </a:endParaRPr>
+          </a:p>
+          <a:p>
+            <a:pPr algn="ctr">
+              <a:lnSpc>
+                <a:spcPct val="100000"/>
+              </a:lnSpc>
+            </a:pPr>
+            <a:endParaRPr b="0" lang="en-US" sz="1800" spc="-1" strike="noStrike">
+              <a:solidFill>
+                <a:srgbClr val="000000"/>
+              </a:solidFill>
+              <a:uFill>
+                <a:solidFill>
+                  <a:srgbClr val="ffffff"/>
+                </a:solidFill>
+              </a:uFill>
+              <a:latin typeface="Arial"/>
+            </a:endParaRPr>
+          </a:p>
+          <a:p>
+            <a:pPr algn="ctr">
+              <a:lnSpc>
+                <a:spcPct val="100000"/>
+              </a:lnSpc>
+            </a:pPr>
+            <a:endParaRPr b="0" lang="en-US" sz="1800" spc="-1" strike="noStrike">
+              <a:solidFill>
+                <a:srgbClr val="000000"/>
+              </a:solidFill>
+              <a:uFill>
+                <a:solidFill>
+                  <a:srgbClr val="ffffff"/>
+                </a:solidFill>
+              </a:uFill>
+              <a:latin typeface="Arial"/>
+            </a:endParaRPr>
+          </a:p>
+          <a:p>
+            <a:pPr algn="ctr">
+              <a:lnSpc>
+                <a:spcPct val="100000"/>
+              </a:lnSpc>
+            </a:pPr>
+            <a:endParaRPr b="0" lang="en-US" sz="1800" spc="-1" strike="noStrike">
+              <a:solidFill>
+                <a:srgbClr val="000000"/>
+              </a:solidFill>
+              <a:uFill>
+                <a:solidFill>
+                  <a:srgbClr val="ffffff"/>
+                </a:solidFill>
+              </a:uFill>
+              <a:latin typeface="Arial"/>
+            </a:endParaRPr>
+          </a:p>
+          <a:p>
+            <a:pPr algn="ctr">
+              <a:lnSpc>
+                <a:spcPct val="100000"/>
+              </a:lnSpc>
+            </a:pPr>
+            <a:endParaRPr b="0" lang="en-US" sz="1800" spc="-1" strike="noStrike">
+              <a:solidFill>
+                <a:srgbClr val="000000"/>
+              </a:solidFill>
+              <a:uFill>
+                <a:solidFill>
+                  <a:srgbClr val="ffffff"/>
+                </a:solidFill>
+              </a:uFill>
+              <a:latin typeface="Arial"/>
+            </a:endParaRPr>
+          </a:p>
+          <a:p>
+            <a:pPr algn="ctr">
+              <a:lnSpc>
+                <a:spcPct val="100000"/>
+              </a:lnSpc>
+            </a:pPr>
+            <a:endParaRPr b="0" lang="en-US" sz="1800" spc="-1" strike="noStrike">
+              <a:solidFill>
+                <a:srgbClr val="000000"/>
+              </a:solidFill>
+              <a:uFill>
+                <a:solidFill>
+                  <a:srgbClr val="ffffff"/>
+                </a:solidFill>
+              </a:uFill>
+              <a:latin typeface="Arial"/>
+            </a:endParaRPr>
+          </a:p>
+          <a:p>
+            <a:pPr algn="ctr">
+              <a:lnSpc>
+                <a:spcPct val="100000"/>
+              </a:lnSpc>
+            </a:pPr>
+            <a:endParaRPr b="0" lang="en-US" sz="1800" spc="-1" strike="noStrike">
+              <a:solidFill>
+                <a:srgbClr val="000000"/>
+              </a:solidFill>
+              <a:uFill>
+                <a:solidFill>
+                  <a:srgbClr val="ffffff"/>
+                </a:solidFill>
+              </a:uFill>
+              <a:latin typeface="Arial"/>
+            </a:endParaRPr>
+          </a:p>
+          <a:p>
+            <a:pPr algn="ctr">
+              <a:lnSpc>
+                <a:spcPct val="100000"/>
+              </a:lnSpc>
+            </a:pPr>
+            <a:endParaRPr b="0" lang="en-US" sz="1800" spc="-1" strike="noStrike">
+              <a:solidFill>
+                <a:srgbClr val="000000"/>
+              </a:solidFill>
+              <a:uFill>
+                <a:solidFill>
+                  <a:srgbClr val="ffffff"/>
+                </a:solidFill>
+              </a:uFill>
+              <a:latin typeface="Arial"/>
+            </a:endParaRPr>
+          </a:p>
+          <a:p>
+            <a:pPr algn="ctr">
+              <a:lnSpc>
+                <a:spcPct val="100000"/>
+              </a:lnSpc>
+            </a:pPr>
+            <a:endParaRPr b="0" lang="en-US" sz="1800" spc="-1" strike="noStrike">
+              <a:solidFill>
+                <a:srgbClr val="000000"/>
+              </a:solidFill>
+              <a:uFill>
+                <a:solidFill>
+                  <a:srgbClr val="ffffff"/>
+                </a:solidFill>
+              </a:uFill>
+              <a:latin typeface="Arial"/>
+            </a:endParaRPr>
+          </a:p>
+          <a:p>
+            <a:pPr algn="ctr">
+              <a:lnSpc>
+                <a:spcPct val="100000"/>
+              </a:lnSpc>
+            </a:pPr>
+            <a:endParaRPr b="0" lang="en-US" sz="1800" spc="-1" strike="noStrike">
+              <a:solidFill>
+                <a:srgbClr val="000000"/>
+              </a:solidFill>
+              <a:uFill>
+                <a:solidFill>
+                  <a:srgbClr val="ffffff"/>
+                </a:solidFill>
+              </a:uFill>
+              <a:latin typeface="Arial"/>
+            </a:endParaRPr>
+          </a:p>
+          <a:p>
+            <a:pPr algn="ctr">
+              <a:lnSpc>
+                <a:spcPct val="100000"/>
+              </a:lnSpc>
+            </a:pPr>
+            <a:endParaRPr b="0" lang="en-US" sz="1800" spc="-1" strike="noStrike">
+              <a:solidFill>
+                <a:srgbClr val="000000"/>
+              </a:solidFill>
+              <a:uFill>
+                <a:solidFill>
+                  <a:srgbClr val="ffffff"/>
+                </a:solidFill>
+              </a:uFill>
+              <a:latin typeface="Arial"/>
+            </a:endParaRPr>
+          </a:p>
+          <a:p>
+            <a:pPr algn="ctr">
+              <a:lnSpc>
+                <a:spcPct val="100000"/>
+              </a:lnSpc>
+            </a:pPr>
             <a:endParaRPr b="0" lang="en-US" sz="1800" spc="-1" strike="noStrike">
               <a:solidFill>
                 <a:srgbClr val="000000"/>
@@ -2779,7 +3292,7 @@
       </p:sp>
       <p:pic>
         <p:nvPicPr>
-          <p:cNvPr id="56" name="" descr=""/>
+          <p:cNvPr id="57" name="Shape 158" descr=""/>
           <p:cNvPicPr/>
           <p:nvPr/>
         </p:nvPicPr>
@@ -2789,31 +3302,8 @@
         </p:blipFill>
         <p:spPr>
           <a:xfrm>
-            <a:off x="4042080" y="1280160"/>
-            <a:ext cx="1059840" cy="1059840"/>
-          </a:xfrm>
-          <a:prstGeom prst="rect">
-            <a:avLst/>
-          </a:prstGeom>
-          <a:ln>
-            <a:noFill/>
-          </a:ln>
-        </p:spPr>
-      </p:pic>
-      <p:pic>
-        <p:nvPicPr>
-          <p:cNvPr id="57" name="" descr=""/>
-          <p:cNvPicPr/>
-          <p:nvPr/>
-        </p:nvPicPr>
-        <p:blipFill>
-          <a:blip r:embed="rId2"/>
-          <a:stretch/>
-        </p:blipFill>
-        <p:spPr>
-          <a:xfrm>
-            <a:off x="4041720" y="3383280"/>
-            <a:ext cx="1060560" cy="1078920"/>
+            <a:off x="2926800" y="1371600"/>
+            <a:ext cx="3290760" cy="2495160"/>
           </a:xfrm>
           <a:prstGeom prst="rect">
             <a:avLst/>
@@ -2825,6 +3315,33 @@
       </p:pic>
     </p:spTree>
   </p:cSld>
+  <p:timing>
+    <p:tnLst>
+      <p:par>
+        <p:cTn id="21" dur="indefinite" restart="never" nodeType="tmRoot">
+          <p:childTnLst>
+            <p:seq>
+              <p:cTn id="22" nodeType="mainSeq"/>
+              <p:prevCondLst>
+                <p:cond delay="0" evt="onPrev">
+                  <p:tgtEl>
+                    <p:sldTgt/>
+                  </p:tgtEl>
+                </p:cond>
+              </p:prevCondLst>
+              <p:nextCondLst>
+                <p:cond delay="0" evt="onNext">
+                  <p:tgtEl>
+                    <p:sldTgt/>
+                  </p:tgtEl>
+                </p:cond>
+              </p:nextCondLst>
+            </p:seq>
+          </p:childTnLst>
+        </p:cTn>
+      </p:par>
+    </p:tnLst>
+  </p:timing>
 </p:sld>
 </file>
 
@@ -2860,8 +3377,8 @@
         </p:nvSpPr>
         <p:spPr>
           <a:xfrm>
-            <a:off x="312120" y="516240"/>
-            <a:ext cx="8519040" cy="4111560"/>
+            <a:off x="312480" y="516240"/>
+            <a:ext cx="8518680" cy="4111200"/>
           </a:xfrm>
           <a:prstGeom prst="rect">
             <a:avLst/>
@@ -2885,675 +3402,6 @@
                 <a:spcPct val="100000"/>
               </a:lnSpc>
             </a:pPr>
-            <a:r>
-              <a:rPr b="0" lang="en-US" sz="2400" spc="-1" strike="noStrike">
-                <a:solidFill>
-                  <a:srgbClr val="000000"/>
-                </a:solidFill>
-                <a:uFill>
-                  <a:solidFill>
-                    <a:srgbClr val="ffffff"/>
-                  </a:solidFill>
-                </a:uFill>
-                <a:latin typeface="Arial"/>
-                <a:ea typeface="Arial"/>
-              </a:rPr>
-              <a:t>To win the reward, Barry or Team A  or both must succeed.</a:t>
-            </a:r>
-            <a:endParaRPr b="0" lang="en-US" sz="1800" spc="-1" strike="noStrike">
-              <a:solidFill>
-                <a:srgbClr val="000000"/>
-              </a:solidFill>
-              <a:uFill>
-                <a:solidFill>
-                  <a:srgbClr val="ffffff"/>
-                </a:solidFill>
-              </a:uFill>
-              <a:latin typeface="Arial"/>
-            </a:endParaRPr>
-          </a:p>
-          <a:p>
-            <a:pPr algn="ctr">
-              <a:lnSpc>
-                <a:spcPct val="100000"/>
-              </a:lnSpc>
-            </a:pPr>
-            <a:endParaRPr b="0" lang="en-US" sz="1800" spc="-1" strike="noStrike">
-              <a:solidFill>
-                <a:srgbClr val="000000"/>
-              </a:solidFill>
-              <a:uFill>
-                <a:solidFill>
-                  <a:srgbClr val="ffffff"/>
-                </a:solidFill>
-              </a:uFill>
-              <a:latin typeface="Arial"/>
-            </a:endParaRPr>
-          </a:p>
-          <a:p>
-            <a:pPr algn="ctr">
-              <a:lnSpc>
-                <a:spcPct val="100000"/>
-              </a:lnSpc>
-            </a:pPr>
-            <a:endParaRPr b="0" lang="en-US" sz="1800" spc="-1" strike="noStrike">
-              <a:solidFill>
-                <a:srgbClr val="000000"/>
-              </a:solidFill>
-              <a:uFill>
-                <a:solidFill>
-                  <a:srgbClr val="ffffff"/>
-                </a:solidFill>
-              </a:uFill>
-              <a:latin typeface="Arial"/>
-            </a:endParaRPr>
-          </a:p>
-          <a:p>
-            <a:pPr algn="ctr">
-              <a:lnSpc>
-                <a:spcPct val="100000"/>
-              </a:lnSpc>
-            </a:pPr>
-            <a:endParaRPr b="0" lang="en-US" sz="1800" spc="-1" strike="noStrike">
-              <a:solidFill>
-                <a:srgbClr val="000000"/>
-              </a:solidFill>
-              <a:uFill>
-                <a:solidFill>
-                  <a:srgbClr val="ffffff"/>
-                </a:solidFill>
-              </a:uFill>
-              <a:latin typeface="Arial"/>
-            </a:endParaRPr>
-          </a:p>
-          <a:p>
-            <a:pPr algn="ctr">
-              <a:lnSpc>
-                <a:spcPct val="100000"/>
-              </a:lnSpc>
-            </a:pPr>
-            <a:endParaRPr b="0" lang="en-US" sz="1800" spc="-1" strike="noStrike">
-              <a:solidFill>
-                <a:srgbClr val="000000"/>
-              </a:solidFill>
-              <a:uFill>
-                <a:solidFill>
-                  <a:srgbClr val="ffffff"/>
-                </a:solidFill>
-              </a:uFill>
-              <a:latin typeface="Arial"/>
-            </a:endParaRPr>
-          </a:p>
-          <a:p>
-            <a:pPr algn="ctr">
-              <a:lnSpc>
-                <a:spcPct val="100000"/>
-              </a:lnSpc>
-            </a:pPr>
-            <a:endParaRPr b="0" lang="en-US" sz="1800" spc="-1" strike="noStrike">
-              <a:solidFill>
-                <a:srgbClr val="000000"/>
-              </a:solidFill>
-              <a:uFill>
-                <a:solidFill>
-                  <a:srgbClr val="ffffff"/>
-                </a:solidFill>
-              </a:uFill>
-              <a:latin typeface="Arial"/>
-            </a:endParaRPr>
-          </a:p>
-          <a:p>
-            <a:pPr algn="ctr">
-              <a:lnSpc>
-                <a:spcPct val="100000"/>
-              </a:lnSpc>
-            </a:pPr>
-            <a:endParaRPr b="0" lang="en-US" sz="1800" spc="-1" strike="noStrike">
-              <a:solidFill>
-                <a:srgbClr val="000000"/>
-              </a:solidFill>
-              <a:uFill>
-                <a:solidFill>
-                  <a:srgbClr val="ffffff"/>
-                </a:solidFill>
-              </a:uFill>
-              <a:latin typeface="Arial"/>
-            </a:endParaRPr>
-          </a:p>
-          <a:p>
-            <a:pPr algn="ctr">
-              <a:lnSpc>
-                <a:spcPct val="100000"/>
-              </a:lnSpc>
-            </a:pPr>
-            <a:endParaRPr b="0" lang="en-US" sz="1800" spc="-1" strike="noStrike">
-              <a:solidFill>
-                <a:srgbClr val="000000"/>
-              </a:solidFill>
-              <a:uFill>
-                <a:solidFill>
-                  <a:srgbClr val="ffffff"/>
-                </a:solidFill>
-              </a:uFill>
-              <a:latin typeface="Arial"/>
-            </a:endParaRPr>
-          </a:p>
-          <a:p>
-            <a:pPr algn="ctr">
-              <a:lnSpc>
-                <a:spcPct val="100000"/>
-              </a:lnSpc>
-            </a:pPr>
-            <a:endParaRPr b="0" lang="en-US" sz="1800" spc="-1" strike="noStrike">
-              <a:solidFill>
-                <a:srgbClr val="000000"/>
-              </a:solidFill>
-              <a:uFill>
-                <a:solidFill>
-                  <a:srgbClr val="ffffff"/>
-                </a:solidFill>
-              </a:uFill>
-              <a:latin typeface="Arial"/>
-            </a:endParaRPr>
-          </a:p>
-          <a:p>
-            <a:pPr algn="ctr">
-              <a:lnSpc>
-                <a:spcPct val="100000"/>
-              </a:lnSpc>
-            </a:pPr>
-            <a:endParaRPr b="0" lang="en-US" sz="1800" spc="-1" strike="noStrike">
-              <a:solidFill>
-                <a:srgbClr val="000000"/>
-              </a:solidFill>
-              <a:uFill>
-                <a:solidFill>
-                  <a:srgbClr val="ffffff"/>
-                </a:solidFill>
-              </a:uFill>
-              <a:latin typeface="Arial"/>
-            </a:endParaRPr>
-          </a:p>
-          <a:p>
-            <a:pPr algn="ctr">
-              <a:lnSpc>
-                <a:spcPct val="100000"/>
-              </a:lnSpc>
-            </a:pPr>
-            <a:r>
-              <a:rPr b="0" lang="en-US" sz="2400" spc="-1" strike="noStrike">
-                <a:solidFill>
-                  <a:srgbClr val="000000"/>
-                </a:solidFill>
-                <a:uFill>
-                  <a:solidFill>
-                    <a:srgbClr val="ffffff"/>
-                  </a:solidFill>
-                </a:uFill>
-                <a:latin typeface="Arial"/>
-                <a:ea typeface="Arial"/>
-              </a:rPr>
-              <a:t>The Office Goal was met because Barry succeeded.</a:t>
-            </a:r>
-            <a:endParaRPr b="0" lang="en-US" sz="1800" spc="-1" strike="noStrike">
-              <a:solidFill>
-                <a:srgbClr val="000000"/>
-              </a:solidFill>
-              <a:uFill>
-                <a:solidFill>
-                  <a:srgbClr val="ffffff"/>
-                </a:solidFill>
-              </a:uFill>
-              <a:latin typeface="Arial"/>
-            </a:endParaRPr>
-          </a:p>
-          <a:p>
-            <a:pPr algn="ctr">
-              <a:lnSpc>
-                <a:spcPct val="100000"/>
-              </a:lnSpc>
-            </a:pPr>
-            <a:endParaRPr b="0" lang="en-US" sz="1800" spc="-1" strike="noStrike">
-              <a:solidFill>
-                <a:srgbClr val="000000"/>
-              </a:solidFill>
-              <a:uFill>
-                <a:solidFill>
-                  <a:srgbClr val="ffffff"/>
-                </a:solidFill>
-              </a:uFill>
-              <a:latin typeface="Arial"/>
-            </a:endParaRPr>
-          </a:p>
-          <a:p>
-            <a:pPr algn="ctr">
-              <a:lnSpc>
-                <a:spcPct val="100000"/>
-              </a:lnSpc>
-            </a:pPr>
-            <a:endParaRPr b="0" lang="en-US" sz="1800" spc="-1" strike="noStrike">
-              <a:solidFill>
-                <a:srgbClr val="000000"/>
-              </a:solidFill>
-              <a:uFill>
-                <a:solidFill>
-                  <a:srgbClr val="ffffff"/>
-                </a:solidFill>
-              </a:uFill>
-              <a:latin typeface="Arial"/>
-            </a:endParaRPr>
-          </a:p>
-          <a:p>
-            <a:pPr algn="ctr">
-              <a:lnSpc>
-                <a:spcPct val="100000"/>
-              </a:lnSpc>
-            </a:pPr>
-            <a:endParaRPr b="0" lang="en-US" sz="1800" spc="-1" strike="noStrike">
-              <a:solidFill>
-                <a:srgbClr val="000000"/>
-              </a:solidFill>
-              <a:uFill>
-                <a:solidFill>
-                  <a:srgbClr val="ffffff"/>
-                </a:solidFill>
-              </a:uFill>
-              <a:latin typeface="Arial"/>
-            </a:endParaRPr>
-          </a:p>
-          <a:p>
-            <a:pPr algn="ctr">
-              <a:lnSpc>
-                <a:spcPct val="100000"/>
-              </a:lnSpc>
-            </a:pPr>
-            <a:endParaRPr b="0" lang="en-US" sz="1800" spc="-1" strike="noStrike">
-              <a:solidFill>
-                <a:srgbClr val="000000"/>
-              </a:solidFill>
-              <a:uFill>
-                <a:solidFill>
-                  <a:srgbClr val="ffffff"/>
-                </a:solidFill>
-              </a:uFill>
-              <a:latin typeface="Arial"/>
-            </a:endParaRPr>
-          </a:p>
-          <a:p>
-            <a:pPr algn="ctr">
-              <a:lnSpc>
-                <a:spcPct val="100000"/>
-              </a:lnSpc>
-            </a:pPr>
-            <a:endParaRPr b="0" lang="en-US" sz="1800" spc="-1" strike="noStrike">
-              <a:solidFill>
-                <a:srgbClr val="000000"/>
-              </a:solidFill>
-              <a:uFill>
-                <a:solidFill>
-                  <a:srgbClr val="ffffff"/>
-                </a:solidFill>
-              </a:uFill>
-              <a:latin typeface="Arial"/>
-            </a:endParaRPr>
-          </a:p>
-          <a:p>
-            <a:pPr algn="ctr">
-              <a:lnSpc>
-                <a:spcPct val="100000"/>
-              </a:lnSpc>
-            </a:pPr>
-            <a:endParaRPr b="0" lang="en-US" sz="1800" spc="-1" strike="noStrike">
-              <a:solidFill>
-                <a:srgbClr val="000000"/>
-              </a:solidFill>
-              <a:uFill>
-                <a:solidFill>
-                  <a:srgbClr val="ffffff"/>
-                </a:solidFill>
-              </a:uFill>
-              <a:latin typeface="Arial"/>
-            </a:endParaRPr>
-          </a:p>
-          <a:p>
-            <a:pPr algn="ctr">
-              <a:lnSpc>
-                <a:spcPct val="100000"/>
-              </a:lnSpc>
-            </a:pPr>
-            <a:endParaRPr b="0" lang="en-US" sz="1800" spc="-1" strike="noStrike">
-              <a:solidFill>
-                <a:srgbClr val="000000"/>
-              </a:solidFill>
-              <a:uFill>
-                <a:solidFill>
-                  <a:srgbClr val="ffffff"/>
-                </a:solidFill>
-              </a:uFill>
-              <a:latin typeface="Arial"/>
-            </a:endParaRPr>
-          </a:p>
-          <a:p>
-            <a:pPr algn="ctr">
-              <a:lnSpc>
-                <a:spcPct val="100000"/>
-              </a:lnSpc>
-            </a:pPr>
-            <a:endParaRPr b="0" lang="en-US" sz="1800" spc="-1" strike="noStrike">
-              <a:solidFill>
-                <a:srgbClr val="000000"/>
-              </a:solidFill>
-              <a:uFill>
-                <a:solidFill>
-                  <a:srgbClr val="ffffff"/>
-                </a:solidFill>
-              </a:uFill>
-              <a:latin typeface="Arial"/>
-            </a:endParaRPr>
-          </a:p>
-          <a:p>
-            <a:pPr algn="ctr">
-              <a:lnSpc>
-                <a:spcPct val="100000"/>
-              </a:lnSpc>
-            </a:pPr>
-            <a:endParaRPr b="0" lang="en-US" sz="1800" spc="-1" strike="noStrike">
-              <a:solidFill>
-                <a:srgbClr val="000000"/>
-              </a:solidFill>
-              <a:uFill>
-                <a:solidFill>
-                  <a:srgbClr val="ffffff"/>
-                </a:solidFill>
-              </a:uFill>
-              <a:latin typeface="Arial"/>
-            </a:endParaRPr>
-          </a:p>
-          <a:p>
-            <a:pPr algn="ctr">
-              <a:lnSpc>
-                <a:spcPct val="100000"/>
-              </a:lnSpc>
-            </a:pPr>
-            <a:endParaRPr b="0" lang="en-US" sz="1800" spc="-1" strike="noStrike">
-              <a:solidFill>
-                <a:srgbClr val="000000"/>
-              </a:solidFill>
-              <a:uFill>
-                <a:solidFill>
-                  <a:srgbClr val="ffffff"/>
-                </a:solidFill>
-              </a:uFill>
-              <a:latin typeface="Arial"/>
-            </a:endParaRPr>
-          </a:p>
-          <a:p>
-            <a:pPr algn="ctr">
-              <a:lnSpc>
-                <a:spcPct val="100000"/>
-              </a:lnSpc>
-            </a:pPr>
-            <a:endParaRPr b="0" lang="en-US" sz="1800" spc="-1" strike="noStrike">
-              <a:solidFill>
-                <a:srgbClr val="000000"/>
-              </a:solidFill>
-              <a:uFill>
-                <a:solidFill>
-                  <a:srgbClr val="ffffff"/>
-                </a:solidFill>
-              </a:uFill>
-              <a:latin typeface="Arial"/>
-            </a:endParaRPr>
-          </a:p>
-          <a:p>
-            <a:pPr algn="ctr">
-              <a:lnSpc>
-                <a:spcPct val="100000"/>
-              </a:lnSpc>
-            </a:pPr>
-            <a:endParaRPr b="0" lang="en-US" sz="1800" spc="-1" strike="noStrike">
-              <a:solidFill>
-                <a:srgbClr val="000000"/>
-              </a:solidFill>
-              <a:uFill>
-                <a:solidFill>
-                  <a:srgbClr val="ffffff"/>
-                </a:solidFill>
-              </a:uFill>
-              <a:latin typeface="Arial"/>
-            </a:endParaRPr>
-          </a:p>
-          <a:p>
-            <a:pPr algn="ctr">
-              <a:lnSpc>
-                <a:spcPct val="100000"/>
-              </a:lnSpc>
-            </a:pPr>
-            <a:endParaRPr b="0" lang="en-US" sz="1800" spc="-1" strike="noStrike">
-              <a:solidFill>
-                <a:srgbClr val="000000"/>
-              </a:solidFill>
-              <a:uFill>
-                <a:solidFill>
-                  <a:srgbClr val="ffffff"/>
-                </a:solidFill>
-              </a:uFill>
-              <a:latin typeface="Arial"/>
-            </a:endParaRPr>
-          </a:p>
-          <a:p>
-            <a:pPr algn="ctr">
-              <a:lnSpc>
-                <a:spcPct val="100000"/>
-              </a:lnSpc>
-            </a:pPr>
-            <a:endParaRPr b="0" lang="en-US" sz="1800" spc="-1" strike="noStrike">
-              <a:solidFill>
-                <a:srgbClr val="000000"/>
-              </a:solidFill>
-              <a:uFill>
-                <a:solidFill>
-                  <a:srgbClr val="ffffff"/>
-                </a:solidFill>
-              </a:uFill>
-              <a:latin typeface="Arial"/>
-            </a:endParaRPr>
-          </a:p>
-          <a:p>
-            <a:pPr algn="ctr">
-              <a:lnSpc>
-                <a:spcPct val="100000"/>
-              </a:lnSpc>
-            </a:pPr>
-            <a:endParaRPr b="0" lang="en-US" sz="1800" spc="-1" strike="noStrike">
-              <a:solidFill>
-                <a:srgbClr val="000000"/>
-              </a:solidFill>
-              <a:uFill>
-                <a:solidFill>
-                  <a:srgbClr val="ffffff"/>
-                </a:solidFill>
-              </a:uFill>
-              <a:latin typeface="Arial"/>
-            </a:endParaRPr>
-          </a:p>
-          <a:p>
-            <a:pPr algn="ctr">
-              <a:lnSpc>
-                <a:spcPct val="100000"/>
-              </a:lnSpc>
-            </a:pPr>
-            <a:endParaRPr b="0" lang="en-US" sz="1800" spc="-1" strike="noStrike">
-              <a:solidFill>
-                <a:srgbClr val="000000"/>
-              </a:solidFill>
-              <a:uFill>
-                <a:solidFill>
-                  <a:srgbClr val="ffffff"/>
-                </a:solidFill>
-              </a:uFill>
-              <a:latin typeface="Arial"/>
-            </a:endParaRPr>
-          </a:p>
-          <a:p>
-            <a:pPr algn="ctr">
-              <a:lnSpc>
-                <a:spcPct val="100000"/>
-              </a:lnSpc>
-            </a:pPr>
-            <a:endParaRPr b="0" lang="en-US" sz="1800" spc="-1" strike="noStrike">
-              <a:solidFill>
-                <a:srgbClr val="000000"/>
-              </a:solidFill>
-              <a:uFill>
-                <a:solidFill>
-                  <a:srgbClr val="ffffff"/>
-                </a:solidFill>
-              </a:uFill>
-              <a:latin typeface="Arial"/>
-            </a:endParaRPr>
-          </a:p>
-          <a:p>
-            <a:pPr algn="ctr">
-              <a:lnSpc>
-                <a:spcPct val="100000"/>
-              </a:lnSpc>
-            </a:pPr>
-            <a:endParaRPr b="0" lang="en-US" sz="1800" spc="-1" strike="noStrike">
-              <a:solidFill>
-                <a:srgbClr val="000000"/>
-              </a:solidFill>
-              <a:uFill>
-                <a:solidFill>
-                  <a:srgbClr val="ffffff"/>
-                </a:solidFill>
-              </a:uFill>
-              <a:latin typeface="Arial"/>
-            </a:endParaRPr>
-          </a:p>
-          <a:p>
-            <a:pPr algn="ctr">
-              <a:lnSpc>
-                <a:spcPct val="100000"/>
-              </a:lnSpc>
-            </a:pPr>
-            <a:endParaRPr b="0" lang="en-US" sz="1800" spc="-1" strike="noStrike">
-              <a:solidFill>
-                <a:srgbClr val="000000"/>
-              </a:solidFill>
-              <a:uFill>
-                <a:solidFill>
-                  <a:srgbClr val="ffffff"/>
-                </a:solidFill>
-              </a:uFill>
-              <a:latin typeface="Arial"/>
-            </a:endParaRPr>
-          </a:p>
-          <a:p>
-            <a:pPr algn="ctr">
-              <a:lnSpc>
-                <a:spcPct val="100000"/>
-              </a:lnSpc>
-            </a:pPr>
-            <a:endParaRPr b="0" lang="en-US" sz="1800" spc="-1" strike="noStrike">
-              <a:solidFill>
-                <a:srgbClr val="000000"/>
-              </a:solidFill>
-              <a:uFill>
-                <a:solidFill>
-                  <a:srgbClr val="ffffff"/>
-                </a:solidFill>
-              </a:uFill>
-              <a:latin typeface="Arial"/>
-            </a:endParaRPr>
-          </a:p>
-        </p:txBody>
-      </p:sp>
-      <p:pic>
-        <p:nvPicPr>
-          <p:cNvPr id="59" name="Shape 158" descr=""/>
-          <p:cNvPicPr/>
-          <p:nvPr/>
-        </p:nvPicPr>
-        <p:blipFill>
-          <a:blip r:embed="rId1"/>
-          <a:stretch/>
-        </p:blipFill>
-        <p:spPr>
-          <a:xfrm>
-            <a:off x="2926800" y="1371600"/>
-            <a:ext cx="3291120" cy="2495520"/>
-          </a:xfrm>
-          <a:prstGeom prst="rect">
-            <a:avLst/>
-          </a:prstGeom>
-          <a:ln>
-            <a:noFill/>
-          </a:ln>
-        </p:spPr>
-      </p:pic>
-    </p:spTree>
-  </p:cSld>
-</p:sld>
-</file>
-
-<file path=ppt/slides/slide13.xml><?xml version="1.0" encoding="utf-8"?>
-<p:sld xmlns:a="http://schemas.openxmlformats.org/drawingml/2006/main" xmlns:p="http://schemas.openxmlformats.org/presentationml/2006/main" xmlns:r="http://schemas.openxmlformats.org/officeDocument/2006/relationships" xmlns:p14="http://schemas.microsoft.com/office/powerpoint/2010/main" xmlns:p15="http://schemas.microsoft.com/office/powerpoint/2012/main" xmlns:mc="http://schemas.openxmlformats.org/markup-compatibility/2006">
-  <p:cSld>
-    <p:bg>
-      <p:bgPr>
-        <a:solidFill>
-          <a:srgbClr val="ceecf5"/>
-        </a:solidFill>
-      </p:bgPr>
-    </p:bg>
-    <p:spTree>
-      <p:nvGrpSpPr>
-        <p:cNvPr id="1" name=""/>
-        <p:cNvGrpSpPr/>
-        <p:nvPr/>
-      </p:nvGrpSpPr>
-      <p:grpSpPr>
-        <a:xfrm>
-          <a:off x="0" y="0"/>
-          <a:ext cx="0" cy="0"/>
-          <a:chOff x="0" y="0"/>
-          <a:chExt cx="0" cy="0"/>
-        </a:xfrm>
-      </p:grpSpPr>
-      <p:sp>
-        <p:nvSpPr>
-          <p:cNvPr id="60" name="CustomShape 1"/>
-          <p:cNvSpPr/>
-          <p:nvPr/>
-        </p:nvSpPr>
-        <p:spPr>
-          <a:xfrm>
-            <a:off x="312480" y="516240"/>
-            <a:ext cx="8519040" cy="4111560"/>
-          </a:xfrm>
-          <a:prstGeom prst="rect">
-            <a:avLst/>
-          </a:prstGeom>
-          <a:noFill/>
-          <a:ln>
-            <a:noFill/>
-          </a:ln>
-        </p:spPr>
-        <p:style>
-          <a:lnRef idx="0"/>
-          <a:fillRef idx="0"/>
-          <a:effectRef idx="0"/>
-          <a:fontRef idx="minor"/>
-        </p:style>
-        <p:txBody>
-          <a:bodyPr lIns="90000" rIns="90000" tIns="91440" bIns="91440"/>
-          <a:p>
-            <a:pPr algn="ctr">
-              <a:lnSpc>
-                <a:spcPct val="100000"/>
-              </a:lnSpc>
-            </a:pPr>
             <a:endParaRPr b="0" lang="en-US" sz="1800" spc="-1" strike="noStrike">
               <a:solidFill>
                 <a:srgbClr val="000000"/>
@@ -4137,6 +3985,33 @@
       </p:sp>
     </p:spTree>
   </p:cSld>
+  <p:timing>
+    <p:tnLst>
+      <p:par>
+        <p:cTn id="23" dur="indefinite" restart="never" nodeType="tmRoot">
+          <p:childTnLst>
+            <p:seq>
+              <p:cTn id="24" nodeType="mainSeq"/>
+              <p:prevCondLst>
+                <p:cond delay="0" evt="onPrev">
+                  <p:tgtEl>
+                    <p:sldTgt/>
+                  </p:tgtEl>
+                </p:cond>
+              </p:prevCondLst>
+              <p:nextCondLst>
+                <p:cond delay="0" evt="onNext">
+                  <p:tgtEl>
+                    <p:sldTgt/>
+                  </p:tgtEl>
+                </p:cond>
+              </p:nextCondLst>
+            </p:seq>
+          </p:childTnLst>
+        </p:cTn>
+      </p:par>
+    </p:tnLst>
+  </p:timing>
 </p:sld>
 </file>
 
@@ -4173,7 +4048,7 @@
         <p:spPr>
           <a:xfrm>
             <a:off x="312480" y="414720"/>
-            <a:ext cx="8519040" cy="4314600"/>
+            <a:ext cx="8518680" cy="4314240"/>
           </a:xfrm>
           <a:prstGeom prst="rect">
             <a:avLst/>
@@ -4192,7 +4067,11 @@
         <p:txBody>
           <a:bodyPr lIns="90000" rIns="90000" tIns="91440" bIns="91440"/>
           <a:p>
-            <a:pPr algn="ctr"/>
+            <a:pPr algn="ctr">
+              <a:lnSpc>
+                <a:spcPct val="100000"/>
+              </a:lnSpc>
+            </a:pPr>
             <a:r>
               <a:rPr b="0" lang="en-US" sz="2400" spc="-1" strike="noStrike">
                 <a:solidFill>
@@ -4221,19 +4100,29 @@
             </a:endParaRPr>
           </a:p>
           <a:p>
-            <a:endParaRPr b="0" lang="en-US" sz="1800" spc="-1" strike="noStrike">
-              <a:solidFill>
-                <a:srgbClr val="000000"/>
-              </a:solidFill>
-              <a:uFill>
-                <a:solidFill>
-                  <a:srgbClr val="ffffff"/>
-                </a:solidFill>
-              </a:uFill>
-              <a:latin typeface="Arial"/>
-            </a:endParaRPr>
-          </a:p>
-          <a:p>
+            <a:pPr>
+              <a:lnSpc>
+                <a:spcPct val="100000"/>
+              </a:lnSpc>
+            </a:pPr>
+            <a:endParaRPr b="0" lang="en-US" sz="1800" spc="-1" strike="noStrike">
+              <a:solidFill>
+                <a:srgbClr val="000000"/>
+              </a:solidFill>
+              <a:uFill>
+                <a:solidFill>
+                  <a:srgbClr val="ffffff"/>
+                </a:solidFill>
+              </a:uFill>
+              <a:latin typeface="Arial"/>
+            </a:endParaRPr>
+          </a:p>
+          <a:p>
+            <a:pPr>
+              <a:lnSpc>
+                <a:spcPct val="100000"/>
+              </a:lnSpc>
+            </a:pPr>
             <a:endParaRPr b="0" lang="en-US" sz="1800" spc="-1" strike="noStrike">
               <a:solidFill>
                 <a:srgbClr val="000000"/>
@@ -4279,7 +4168,7 @@
         <p:spPr>
           <a:xfrm>
             <a:off x="2514600" y="2071080"/>
-            <a:ext cx="4077360" cy="1050840"/>
+            <a:ext cx="4077000" cy="1050480"/>
           </a:xfrm>
           <a:prstGeom prst="rect">
             <a:avLst/>
@@ -4291,6 +4180,33 @@
       </p:pic>
     </p:spTree>
   </p:cSld>
+  <p:timing>
+    <p:tnLst>
+      <p:par>
+        <p:cTn id="3" dur="indefinite" restart="never" nodeType="tmRoot">
+          <p:childTnLst>
+            <p:seq>
+              <p:cTn id="4" nodeType="mainSeq"/>
+              <p:prevCondLst>
+                <p:cond delay="0" evt="onPrev">
+                  <p:tgtEl>
+                    <p:sldTgt/>
+                  </p:tgtEl>
+                </p:cond>
+              </p:prevCondLst>
+              <p:nextCondLst>
+                <p:cond delay="0" evt="onNext">
+                  <p:tgtEl>
+                    <p:sldTgt/>
+                  </p:tgtEl>
+                </p:cond>
+              </p:nextCondLst>
+            </p:seq>
+          </p:childTnLst>
+        </p:cTn>
+      </p:par>
+    </p:tnLst>
+  </p:timing>
 </p:sld>
 </file>
 
@@ -4327,7 +4243,7 @@
         <p:spPr>
           <a:xfrm>
             <a:off x="312480" y="414720"/>
-            <a:ext cx="8519040" cy="4314600"/>
+            <a:ext cx="8518680" cy="4314240"/>
           </a:xfrm>
           <a:prstGeom prst="rect">
             <a:avLst/>
@@ -4346,7 +4262,29 @@
         <p:txBody>
           <a:bodyPr lIns="90000" rIns="90000" tIns="91440" bIns="91440"/>
           <a:p>
-            <a:pPr algn="ctr"/>
+            <a:pPr algn="ctr">
+              <a:lnSpc>
+                <a:spcPct val="100000"/>
+              </a:lnSpc>
+            </a:pPr>
+            <a:endParaRPr b="0" lang="en-US" sz="1800" spc="-1" strike="noStrike">
+              <a:solidFill>
+                <a:srgbClr val="000000"/>
+              </a:solidFill>
+              <a:uFill>
+                <a:solidFill>
+                  <a:srgbClr val="ffffff"/>
+                </a:solidFill>
+              </a:uFill>
+              <a:latin typeface="Arial"/>
+            </a:endParaRPr>
+          </a:p>
+          <a:p>
+            <a:pPr algn="ctr">
+              <a:lnSpc>
+                <a:spcPct val="100000"/>
+              </a:lnSpc>
+            </a:pPr>
             <a:r>
               <a:rPr b="0" lang="en-US" sz="2400" spc="-1" strike="noStrike">
                 <a:solidFill>
@@ -4375,119 +4313,155 @@
             </a:endParaRPr>
           </a:p>
           <a:p>
-            <a:pPr algn="ctr"/>
-            <a:endParaRPr b="0" lang="en-US" sz="1800" spc="-1" strike="noStrike">
-              <a:solidFill>
-                <a:srgbClr val="000000"/>
-              </a:solidFill>
-              <a:uFill>
-                <a:solidFill>
-                  <a:srgbClr val="ffffff"/>
-                </a:solidFill>
-              </a:uFill>
-              <a:latin typeface="Arial"/>
-            </a:endParaRPr>
-          </a:p>
-          <a:p>
-            <a:pPr algn="ctr"/>
-            <a:endParaRPr b="0" lang="en-US" sz="1800" spc="-1" strike="noStrike">
-              <a:solidFill>
-                <a:srgbClr val="000000"/>
-              </a:solidFill>
-              <a:uFill>
-                <a:solidFill>
-                  <a:srgbClr val="ffffff"/>
-                </a:solidFill>
-              </a:uFill>
-              <a:latin typeface="Arial"/>
-            </a:endParaRPr>
-          </a:p>
-          <a:p>
-            <a:pPr algn="ctr"/>
-            <a:endParaRPr b="0" lang="en-US" sz="1800" spc="-1" strike="noStrike">
-              <a:solidFill>
-                <a:srgbClr val="000000"/>
-              </a:solidFill>
-              <a:uFill>
-                <a:solidFill>
-                  <a:srgbClr val="ffffff"/>
-                </a:solidFill>
-              </a:uFill>
-              <a:latin typeface="Arial"/>
-            </a:endParaRPr>
-          </a:p>
-          <a:p>
-            <a:pPr algn="ctr"/>
-            <a:endParaRPr b="0" lang="en-US" sz="1800" spc="-1" strike="noStrike">
-              <a:solidFill>
-                <a:srgbClr val="000000"/>
-              </a:solidFill>
-              <a:uFill>
-                <a:solidFill>
-                  <a:srgbClr val="ffffff"/>
-                </a:solidFill>
-              </a:uFill>
-              <a:latin typeface="Arial"/>
-            </a:endParaRPr>
-          </a:p>
-          <a:p>
-            <a:pPr algn="ctr"/>
-            <a:endParaRPr b="0" lang="en-US" sz="1800" spc="-1" strike="noStrike">
-              <a:solidFill>
-                <a:srgbClr val="000000"/>
-              </a:solidFill>
-              <a:uFill>
-                <a:solidFill>
-                  <a:srgbClr val="ffffff"/>
-                </a:solidFill>
-              </a:uFill>
-              <a:latin typeface="Arial"/>
-            </a:endParaRPr>
-          </a:p>
-          <a:p>
-            <a:pPr algn="ctr"/>
-            <a:endParaRPr b="0" lang="en-US" sz="1800" spc="-1" strike="noStrike">
-              <a:solidFill>
-                <a:srgbClr val="000000"/>
-              </a:solidFill>
-              <a:uFill>
-                <a:solidFill>
-                  <a:srgbClr val="ffffff"/>
-                </a:solidFill>
-              </a:uFill>
-              <a:latin typeface="Arial"/>
-            </a:endParaRPr>
-          </a:p>
-          <a:p>
-            <a:pPr algn="ctr"/>
-            <a:endParaRPr b="0" lang="en-US" sz="1800" spc="-1" strike="noStrike">
-              <a:solidFill>
-                <a:srgbClr val="000000"/>
-              </a:solidFill>
-              <a:uFill>
-                <a:solidFill>
-                  <a:srgbClr val="ffffff"/>
-                </a:solidFill>
-              </a:uFill>
-              <a:latin typeface="Arial"/>
-            </a:endParaRPr>
-          </a:p>
-          <a:p>
-            <a:pPr algn="ctr"/>
-            <a:endParaRPr b="0" lang="en-US" sz="1800" spc="-1" strike="noStrike">
-              <a:solidFill>
-                <a:srgbClr val="000000"/>
-              </a:solidFill>
-              <a:uFill>
-                <a:solidFill>
-                  <a:srgbClr val="ffffff"/>
-                </a:solidFill>
-              </a:uFill>
-              <a:latin typeface="Arial"/>
-            </a:endParaRPr>
-          </a:p>
-          <a:p>
-            <a:pPr algn="ctr"/>
+            <a:pPr algn="ctr">
+              <a:lnSpc>
+                <a:spcPct val="100000"/>
+              </a:lnSpc>
+            </a:pPr>
+            <a:endParaRPr b="0" lang="en-US" sz="1800" spc="-1" strike="noStrike">
+              <a:solidFill>
+                <a:srgbClr val="000000"/>
+              </a:solidFill>
+              <a:uFill>
+                <a:solidFill>
+                  <a:srgbClr val="ffffff"/>
+                </a:solidFill>
+              </a:uFill>
+              <a:latin typeface="Arial"/>
+            </a:endParaRPr>
+          </a:p>
+          <a:p>
+            <a:pPr algn="ctr">
+              <a:lnSpc>
+                <a:spcPct val="100000"/>
+              </a:lnSpc>
+            </a:pPr>
+            <a:endParaRPr b="0" lang="en-US" sz="1800" spc="-1" strike="noStrike">
+              <a:solidFill>
+                <a:srgbClr val="000000"/>
+              </a:solidFill>
+              <a:uFill>
+                <a:solidFill>
+                  <a:srgbClr val="ffffff"/>
+                </a:solidFill>
+              </a:uFill>
+              <a:latin typeface="Arial"/>
+            </a:endParaRPr>
+          </a:p>
+          <a:p>
+            <a:pPr algn="ctr">
+              <a:lnSpc>
+                <a:spcPct val="100000"/>
+              </a:lnSpc>
+            </a:pPr>
+            <a:endParaRPr b="0" lang="en-US" sz="1800" spc="-1" strike="noStrike">
+              <a:solidFill>
+                <a:srgbClr val="000000"/>
+              </a:solidFill>
+              <a:uFill>
+                <a:solidFill>
+                  <a:srgbClr val="ffffff"/>
+                </a:solidFill>
+              </a:uFill>
+              <a:latin typeface="Arial"/>
+            </a:endParaRPr>
+          </a:p>
+          <a:p>
+            <a:pPr algn="ctr">
+              <a:lnSpc>
+                <a:spcPct val="100000"/>
+              </a:lnSpc>
+            </a:pPr>
+            <a:endParaRPr b="0" lang="en-US" sz="1800" spc="-1" strike="noStrike">
+              <a:solidFill>
+                <a:srgbClr val="000000"/>
+              </a:solidFill>
+              <a:uFill>
+                <a:solidFill>
+                  <a:srgbClr val="ffffff"/>
+                </a:solidFill>
+              </a:uFill>
+              <a:latin typeface="Arial"/>
+            </a:endParaRPr>
+          </a:p>
+          <a:p>
+            <a:pPr algn="ctr">
+              <a:lnSpc>
+                <a:spcPct val="100000"/>
+              </a:lnSpc>
+            </a:pPr>
+            <a:endParaRPr b="0" lang="en-US" sz="1800" spc="-1" strike="noStrike">
+              <a:solidFill>
+                <a:srgbClr val="000000"/>
+              </a:solidFill>
+              <a:uFill>
+                <a:solidFill>
+                  <a:srgbClr val="ffffff"/>
+                </a:solidFill>
+              </a:uFill>
+              <a:latin typeface="Arial"/>
+            </a:endParaRPr>
+          </a:p>
+          <a:p>
+            <a:pPr algn="ctr">
+              <a:lnSpc>
+                <a:spcPct val="100000"/>
+              </a:lnSpc>
+            </a:pPr>
+            <a:endParaRPr b="0" lang="en-US" sz="1800" spc="-1" strike="noStrike">
+              <a:solidFill>
+                <a:srgbClr val="000000"/>
+              </a:solidFill>
+              <a:uFill>
+                <a:solidFill>
+                  <a:srgbClr val="ffffff"/>
+                </a:solidFill>
+              </a:uFill>
+              <a:latin typeface="Arial"/>
+            </a:endParaRPr>
+          </a:p>
+          <a:p>
+            <a:pPr algn="ctr">
+              <a:lnSpc>
+                <a:spcPct val="100000"/>
+              </a:lnSpc>
+            </a:pPr>
+            <a:endParaRPr b="0" lang="en-US" sz="1800" spc="-1" strike="noStrike">
+              <a:solidFill>
+                <a:srgbClr val="000000"/>
+              </a:solidFill>
+              <a:uFill>
+                <a:solidFill>
+                  <a:srgbClr val="ffffff"/>
+                </a:solidFill>
+              </a:uFill>
+              <a:latin typeface="Arial"/>
+            </a:endParaRPr>
+          </a:p>
+          <a:p>
+            <a:pPr algn="ctr">
+              <a:lnSpc>
+                <a:spcPct val="100000"/>
+              </a:lnSpc>
+            </a:pPr>
+            <a:endParaRPr b="0" lang="en-US" sz="1800" spc="-1" strike="noStrike">
+              <a:solidFill>
+                <a:srgbClr val="000000"/>
+              </a:solidFill>
+              <a:uFill>
+                <a:solidFill>
+                  <a:srgbClr val="ffffff"/>
+                </a:solidFill>
+              </a:uFill>
+              <a:latin typeface="Arial"/>
+            </a:endParaRPr>
+          </a:p>
+          <a:p>
+            <a:pPr algn="ctr">
+              <a:lnSpc>
+                <a:spcPct val="100000"/>
+              </a:lnSpc>
+            </a:pPr>
             <a:r>
               <a:rPr b="0" lang="en-US" sz="2400" spc="-1" strike="noStrike">
                 <a:solidFill>
@@ -4516,35 +4490,47 @@
             </a:endParaRPr>
           </a:p>
           <a:p>
-            <a:pPr algn="ctr"/>
-            <a:endParaRPr b="0" lang="en-US" sz="1800" spc="-1" strike="noStrike">
-              <a:solidFill>
-                <a:srgbClr val="000000"/>
-              </a:solidFill>
-              <a:uFill>
-                <a:solidFill>
-                  <a:srgbClr val="ffffff"/>
-                </a:solidFill>
-              </a:uFill>
-              <a:latin typeface="Arial"/>
-            </a:endParaRPr>
-          </a:p>
-          <a:p>
-            <a:pPr algn="ctr"/>
-            <a:endParaRPr b="0" lang="en-US" sz="1800" spc="-1" strike="noStrike">
-              <a:solidFill>
-                <a:srgbClr val="000000"/>
-              </a:solidFill>
-              <a:uFill>
-                <a:solidFill>
-                  <a:srgbClr val="ffffff"/>
-                </a:solidFill>
-              </a:uFill>
-              <a:latin typeface="Arial"/>
-            </a:endParaRPr>
-          </a:p>
-          <a:p>
-            <a:pPr algn="ctr"/>
+            <a:pPr algn="ctr">
+              <a:lnSpc>
+                <a:spcPct val="100000"/>
+              </a:lnSpc>
+            </a:pPr>
+            <a:endParaRPr b="0" lang="en-US" sz="1800" spc="-1" strike="noStrike">
+              <a:solidFill>
+                <a:srgbClr val="000000"/>
+              </a:solidFill>
+              <a:uFill>
+                <a:solidFill>
+                  <a:srgbClr val="ffffff"/>
+                </a:solidFill>
+              </a:uFill>
+              <a:latin typeface="Arial"/>
+            </a:endParaRPr>
+          </a:p>
+          <a:p>
+            <a:pPr algn="ctr">
+              <a:lnSpc>
+                <a:spcPct val="100000"/>
+              </a:lnSpc>
+            </a:pPr>
+            <a:endParaRPr b="0" lang="en-US" sz="1800" spc="-1" strike="noStrike">
+              <a:solidFill>
+                <a:srgbClr val="000000"/>
+              </a:solidFill>
+              <a:uFill>
+                <a:solidFill>
+                  <a:srgbClr val="ffffff"/>
+                </a:solidFill>
+              </a:uFill>
+              <a:latin typeface="Arial"/>
+            </a:endParaRPr>
+          </a:p>
+          <a:p>
+            <a:pPr algn="ctr">
+              <a:lnSpc>
+                <a:spcPct val="100000"/>
+              </a:lnSpc>
+            </a:pPr>
             <a:r>
               <a:rPr b="0" lang="en-US" sz="2400" spc="-1" strike="noStrike">
                 <a:solidFill>
@@ -4573,20 +4559,29 @@
             </a:endParaRPr>
           </a:p>
           <a:p>
-            <a:endParaRPr b="0" lang="en-US" sz="1800" spc="-1" strike="noStrike">
-              <a:solidFill>
-                <a:srgbClr val="000000"/>
-              </a:solidFill>
-              <a:uFill>
-                <a:solidFill>
-                  <a:srgbClr val="ffffff"/>
-                </a:solidFill>
-              </a:uFill>
-              <a:latin typeface="Arial"/>
-            </a:endParaRPr>
-          </a:p>
-          <a:p>
-            <a:pPr algn="ctr"/>
+            <a:pPr>
+              <a:lnSpc>
+                <a:spcPct val="100000"/>
+              </a:lnSpc>
+            </a:pPr>
+            <a:endParaRPr b="0" lang="en-US" sz="1800" spc="-1" strike="noStrike">
+              <a:solidFill>
+                <a:srgbClr val="000000"/>
+              </a:solidFill>
+              <a:uFill>
+                <a:solidFill>
+                  <a:srgbClr val="ffffff"/>
+                </a:solidFill>
+              </a:uFill>
+              <a:latin typeface="Arial"/>
+            </a:endParaRPr>
+          </a:p>
+          <a:p>
+            <a:pPr algn="ctr">
+              <a:lnSpc>
+                <a:spcPct val="100000"/>
+              </a:lnSpc>
+            </a:pPr>
             <a:r>
               <a:rPr b="0" lang="en-US" sz="2400" spc="-1" strike="noStrike">
                 <a:solidFill>
@@ -4615,58 +4610,83 @@
             </a:endParaRPr>
           </a:p>
           <a:p>
-            <a:endParaRPr b="0" lang="en-US" sz="1800" spc="-1" strike="noStrike">
-              <a:solidFill>
-                <a:srgbClr val="000000"/>
-              </a:solidFill>
-              <a:uFill>
-                <a:solidFill>
-                  <a:srgbClr val="ffffff"/>
-                </a:solidFill>
-              </a:uFill>
-              <a:latin typeface="Arial"/>
-            </a:endParaRPr>
-          </a:p>
-          <a:p>
-            <a:endParaRPr b="0" lang="en-US" sz="1800" spc="-1" strike="noStrike">
-              <a:solidFill>
-                <a:srgbClr val="000000"/>
-              </a:solidFill>
-              <a:uFill>
-                <a:solidFill>
-                  <a:srgbClr val="ffffff"/>
-                </a:solidFill>
-              </a:uFill>
-              <a:latin typeface="Arial"/>
-            </a:endParaRPr>
-          </a:p>
-          <a:p>
-            <a:endParaRPr b="0" lang="en-US" sz="1800" spc="-1" strike="noStrike">
-              <a:solidFill>
-                <a:srgbClr val="000000"/>
-              </a:solidFill>
-              <a:uFill>
-                <a:solidFill>
-                  <a:srgbClr val="ffffff"/>
-                </a:solidFill>
-              </a:uFill>
-              <a:latin typeface="Arial"/>
-            </a:endParaRPr>
-          </a:p>
-          <a:p>
-            <a:endParaRPr b="0" lang="en-US" sz="1800" spc="-1" strike="noStrike">
-              <a:solidFill>
-                <a:srgbClr val="000000"/>
-              </a:solidFill>
-              <a:uFill>
-                <a:solidFill>
-                  <a:srgbClr val="ffffff"/>
-                </a:solidFill>
-              </a:uFill>
-              <a:latin typeface="Arial"/>
-            </a:endParaRPr>
-          </a:p>
-          <a:p>
+            <a:pPr>
+              <a:lnSpc>
+                <a:spcPct val="100000"/>
+              </a:lnSpc>
+            </a:pPr>
+            <a:endParaRPr b="0" lang="en-US" sz="1800" spc="-1" strike="noStrike">
+              <a:solidFill>
+                <a:srgbClr val="000000"/>
+              </a:solidFill>
+              <a:uFill>
+                <a:solidFill>
+                  <a:srgbClr val="ffffff"/>
+                </a:solidFill>
+              </a:uFill>
+              <a:latin typeface="Arial"/>
+            </a:endParaRPr>
+          </a:p>
+          <a:p>
+            <a:pPr>
+              <a:lnSpc>
+                <a:spcPct val="100000"/>
+              </a:lnSpc>
+            </a:pPr>
+            <a:endParaRPr b="0" lang="en-US" sz="1800" spc="-1" strike="noStrike">
+              <a:solidFill>
+                <a:srgbClr val="000000"/>
+              </a:solidFill>
+              <a:uFill>
+                <a:solidFill>
+                  <a:srgbClr val="ffffff"/>
+                </a:solidFill>
+              </a:uFill>
+              <a:latin typeface="Arial"/>
+            </a:endParaRPr>
+          </a:p>
+          <a:p>
+            <a:pPr>
+              <a:lnSpc>
+                <a:spcPct val="100000"/>
+              </a:lnSpc>
+            </a:pPr>
+            <a:endParaRPr b="0" lang="en-US" sz="1800" spc="-1" strike="noStrike">
+              <a:solidFill>
+                <a:srgbClr val="000000"/>
+              </a:solidFill>
+              <a:uFill>
+                <a:solidFill>
+                  <a:srgbClr val="ffffff"/>
+                </a:solidFill>
+              </a:uFill>
+              <a:latin typeface="Arial"/>
+            </a:endParaRPr>
+          </a:p>
+          <a:p>
+            <a:pPr>
+              <a:lnSpc>
+                <a:spcPct val="100000"/>
+              </a:lnSpc>
+            </a:pPr>
+            <a:endParaRPr b="0" lang="en-US" sz="1800" spc="-1" strike="noStrike">
+              <a:solidFill>
+                <a:srgbClr val="000000"/>
+              </a:solidFill>
+              <a:uFill>
+                <a:solidFill>
+                  <a:srgbClr val="ffffff"/>
+                </a:solidFill>
+              </a:uFill>
+              <a:latin typeface="Arial"/>
+            </a:endParaRPr>
+          </a:p>
+          <a:p>
+            <a:pPr>
+              <a:lnSpc>
+                <a:spcPct val="100000"/>
+              </a:lnSpc>
+            </a:pPr>
             <a:endParaRPr b="0" lang="en-US" sz="1800" spc="-1" strike="noStrike">
               <a:solidFill>
                 <a:srgbClr val="000000"/>
@@ -4712,7 +4732,7 @@
         <p:spPr>
           <a:xfrm>
             <a:off x="4041720" y="1875960"/>
-            <a:ext cx="1060560" cy="1088280"/>
+            <a:ext cx="1060200" cy="1087920"/>
           </a:xfrm>
           <a:prstGeom prst="rect">
             <a:avLst/>
@@ -4724,6 +4744,33 @@
       </p:pic>
     </p:spTree>
   </p:cSld>
+  <p:timing>
+    <p:tnLst>
+      <p:par>
+        <p:cTn id="5" dur="indefinite" restart="never" nodeType="tmRoot">
+          <p:childTnLst>
+            <p:seq>
+              <p:cTn id="6" nodeType="mainSeq"/>
+              <p:prevCondLst>
+                <p:cond delay="0" evt="onPrev">
+                  <p:tgtEl>
+                    <p:sldTgt/>
+                  </p:tgtEl>
+                </p:cond>
+              </p:prevCondLst>
+              <p:nextCondLst>
+                <p:cond delay="0" evt="onNext">
+                  <p:tgtEl>
+                    <p:sldTgt/>
+                  </p:tgtEl>
+                </p:cond>
+              </p:nextCondLst>
+            </p:seq>
+          </p:childTnLst>
+        </p:cTn>
+      </p:par>
+    </p:tnLst>
+  </p:timing>
 </p:sld>
 </file>
 
@@ -4760,7 +4807,7 @@
         <p:spPr>
           <a:xfrm>
             <a:off x="312480" y="414720"/>
-            <a:ext cx="8519040" cy="4314600"/>
+            <a:ext cx="8518680" cy="4314240"/>
           </a:xfrm>
           <a:prstGeom prst="rect">
             <a:avLst/>
@@ -4779,7 +4826,11 @@
         <p:txBody>
           <a:bodyPr lIns="90000" rIns="90000" tIns="91440" bIns="91440"/>
           <a:p>
-            <a:pPr algn="ctr"/>
+            <a:pPr algn="ctr">
+              <a:lnSpc>
+                <a:spcPct val="100000"/>
+              </a:lnSpc>
+            </a:pPr>
             <a:r>
               <a:rPr b="0" lang="en-US" sz="2400" spc="-1" strike="noStrike">
                 <a:solidFill>
@@ -4808,6 +4859,11 @@
             </a:endParaRPr>
           </a:p>
           <a:p>
+            <a:pPr>
+              <a:lnSpc>
+                <a:spcPct val="100000"/>
+              </a:lnSpc>
+            </a:pPr>
             <a:endParaRPr b="0" lang="en-US" sz="1800" spc="-1" strike="noStrike">
               <a:solidFill>
                 <a:srgbClr val="000000"/>
@@ -5081,7 +5137,7 @@
         <p:spPr>
           <a:xfrm>
             <a:off x="2514600" y="2241000"/>
-            <a:ext cx="4077360" cy="1050840"/>
+            <a:ext cx="4077000" cy="1050480"/>
           </a:xfrm>
           <a:prstGeom prst="rect">
             <a:avLst/>
@@ -5093,6 +5149,33 @@
       </p:pic>
     </p:spTree>
   </p:cSld>
+  <p:timing>
+    <p:tnLst>
+      <p:par>
+        <p:cTn id="7" dur="indefinite" restart="never" nodeType="tmRoot">
+          <p:childTnLst>
+            <p:seq>
+              <p:cTn id="8" nodeType="mainSeq"/>
+              <p:prevCondLst>
+                <p:cond delay="0" evt="onPrev">
+                  <p:tgtEl>
+                    <p:sldTgt/>
+                  </p:tgtEl>
+                </p:cond>
+              </p:prevCondLst>
+              <p:nextCondLst>
+                <p:cond delay="0" evt="onNext">
+                  <p:tgtEl>
+                    <p:sldTgt/>
+                  </p:tgtEl>
+                </p:cond>
+              </p:nextCondLst>
+            </p:seq>
+          </p:childTnLst>
+        </p:cTn>
+      </p:par>
+    </p:tnLst>
+  </p:timing>
 </p:sld>
 </file>
 
@@ -5129,7 +5212,7 @@
         <p:spPr>
           <a:xfrm>
             <a:off x="312480" y="414720"/>
-            <a:ext cx="8519040" cy="4314600"/>
+            <a:ext cx="8518680" cy="4314240"/>
           </a:xfrm>
           <a:prstGeom prst="rect">
             <a:avLst/>
@@ -5498,7 +5581,7 @@
         <p:spPr>
           <a:xfrm>
             <a:off x="3566880" y="1008720"/>
-            <a:ext cx="2010240" cy="2740320"/>
+            <a:ext cx="2009880" cy="2739960"/>
           </a:xfrm>
           <a:prstGeom prst="rect">
             <a:avLst/>
@@ -5510,6 +5593,33 @@
       </p:pic>
     </p:spTree>
   </p:cSld>
+  <p:timing>
+    <p:tnLst>
+      <p:par>
+        <p:cTn id="9" dur="indefinite" restart="never" nodeType="tmRoot">
+          <p:childTnLst>
+            <p:seq>
+              <p:cTn id="10" nodeType="mainSeq"/>
+              <p:prevCondLst>
+                <p:cond delay="0" evt="onPrev">
+                  <p:tgtEl>
+                    <p:sldTgt/>
+                  </p:tgtEl>
+                </p:cond>
+              </p:prevCondLst>
+              <p:nextCondLst>
+                <p:cond delay="0" evt="onNext">
+                  <p:tgtEl>
+                    <p:sldTgt/>
+                  </p:tgtEl>
+                </p:cond>
+              </p:nextCondLst>
+            </p:seq>
+          </p:childTnLst>
+        </p:cTn>
+      </p:par>
+    </p:tnLst>
+  </p:timing>
 </p:sld>
 </file>
 
@@ -5546,7 +5656,7 @@
         <p:spPr>
           <a:xfrm>
             <a:off x="312480" y="414720"/>
-            <a:ext cx="8519040" cy="4314600"/>
+            <a:ext cx="8518680" cy="4314240"/>
           </a:xfrm>
           <a:prstGeom prst="rect">
             <a:avLst/>
@@ -5824,8 +5934,8 @@
         </p:blipFill>
         <p:spPr>
           <a:xfrm>
-            <a:off x="3605040" y="1737360"/>
-            <a:ext cx="1956240" cy="1910520"/>
+            <a:off x="3594240" y="1554480"/>
+            <a:ext cx="1955880" cy="1910160"/>
           </a:xfrm>
           <a:prstGeom prst="rect">
             <a:avLst/>
@@ -5837,6 +5947,33 @@
       </p:pic>
     </p:spTree>
   </p:cSld>
+  <p:timing>
+    <p:tnLst>
+      <p:par>
+        <p:cTn id="11" dur="indefinite" restart="never" nodeType="tmRoot">
+          <p:childTnLst>
+            <p:seq>
+              <p:cTn id="12" nodeType="mainSeq"/>
+              <p:prevCondLst>
+                <p:cond delay="0" evt="onPrev">
+                  <p:tgtEl>
+                    <p:sldTgt/>
+                  </p:tgtEl>
+                </p:cond>
+              </p:prevCondLst>
+              <p:nextCondLst>
+                <p:cond delay="0" evt="onNext">
+                  <p:tgtEl>
+                    <p:sldTgt/>
+                  </p:tgtEl>
+                </p:cond>
+              </p:nextCondLst>
+            </p:seq>
+          </p:childTnLst>
+        </p:cTn>
+      </p:par>
+    </p:tnLst>
+  </p:timing>
 </p:sld>
 </file>
 
@@ -5872,8 +6009,8 @@
         </p:nvSpPr>
         <p:spPr>
           <a:xfrm>
-            <a:off x="289800" y="414720"/>
-            <a:ext cx="8519040" cy="4314600"/>
+            <a:off x="312480" y="516240"/>
+            <a:ext cx="8518680" cy="4111200"/>
           </a:xfrm>
           <a:prstGeom prst="rect">
             <a:avLst/>
@@ -5910,8 +6047,44 @@
                 <a:latin typeface="Arial"/>
                 <a:ea typeface="Arial"/>
               </a:rPr>
-              <a:t>Teams also have goals to meet.</a:t>
+              <a:t>In order for Team A to meet its goal, both Claude and Jacob have to succeed in their task.</a:t>
             </a:r>
+            <a:endParaRPr b="0" lang="en-US" sz="1800" spc="-1" strike="noStrike">
+              <a:solidFill>
+                <a:srgbClr val="000000"/>
+              </a:solidFill>
+              <a:uFill>
+                <a:solidFill>
+                  <a:srgbClr val="ffffff"/>
+                </a:solidFill>
+              </a:uFill>
+              <a:latin typeface="Arial"/>
+            </a:endParaRPr>
+          </a:p>
+          <a:p>
+            <a:pPr algn="ctr">
+              <a:lnSpc>
+                <a:spcPct val="100000"/>
+              </a:lnSpc>
+            </a:pPr>
+            <a:endParaRPr b="0" lang="en-US" sz="1800" spc="-1" strike="noStrike">
+              <a:solidFill>
+                <a:srgbClr val="000000"/>
+              </a:solidFill>
+              <a:uFill>
+                <a:solidFill>
+                  <a:srgbClr val="ffffff"/>
+                </a:solidFill>
+              </a:uFill>
+              <a:latin typeface="Arial"/>
+            </a:endParaRPr>
+          </a:p>
+          <a:p>
+            <a:pPr algn="ctr">
+              <a:lnSpc>
+                <a:spcPct val="100000"/>
+              </a:lnSpc>
+            </a:pPr>
             <a:endParaRPr b="0" lang="en-US" sz="1800" spc="-1" strike="noStrike">
               <a:solidFill>
                 <a:srgbClr val="000000"/>
@@ -6069,7 +6242,7 @@
                 <a:latin typeface="Arial"/>
                 <a:ea typeface="Arial"/>
               </a:rPr>
-              <a:t>The number 2 next to the Team A node, indicates that at least 2 employees have to succeed in order for the team to meet its goal.</a:t>
+              <a:t>The team failed because Claude did not succeed.</a:t>
             </a:r>
             <a:endParaRPr b="0" lang="en-US" sz="1800" spc="-1" strike="noStrike">
               <a:solidFill>
@@ -6084,331 +6257,7 @@
             </a:endParaRPr>
           </a:p>
           <a:p>
-            <a:pPr algn="ctr">
-              <a:lnSpc>
-                <a:spcPct val="100000"/>
-              </a:lnSpc>
-            </a:pPr>
-            <a:endParaRPr b="0" lang="en-US" sz="1800" spc="-1" strike="noStrike">
-              <a:solidFill>
-                <a:srgbClr val="000000"/>
-              </a:solidFill>
-              <a:uFill>
-                <a:solidFill>
-                  <a:srgbClr val="ffffff"/>
-                </a:solidFill>
-              </a:uFill>
-              <a:latin typeface="Arial"/>
-            </a:endParaRPr>
-          </a:p>
-          <a:p>
-            <a:pPr algn="ctr">
-              <a:lnSpc>
-                <a:spcPct val="100000"/>
-              </a:lnSpc>
-            </a:pPr>
-            <a:endParaRPr b="0" lang="en-US" sz="1800" spc="-1" strike="noStrike">
-              <a:solidFill>
-                <a:srgbClr val="000000"/>
-              </a:solidFill>
-              <a:uFill>
-                <a:solidFill>
-                  <a:srgbClr val="ffffff"/>
-                </a:solidFill>
-              </a:uFill>
-              <a:latin typeface="Arial"/>
-            </a:endParaRPr>
-          </a:p>
-          <a:p>
-            <a:pPr algn="ctr">
-              <a:lnSpc>
-                <a:spcPct val="100000"/>
-              </a:lnSpc>
-            </a:pPr>
-            <a:endParaRPr b="0" lang="en-US" sz="1800" spc="-1" strike="noStrike">
-              <a:solidFill>
-                <a:srgbClr val="000000"/>
-              </a:solidFill>
-              <a:uFill>
-                <a:solidFill>
-                  <a:srgbClr val="ffffff"/>
-                </a:solidFill>
-              </a:uFill>
-              <a:latin typeface="Arial"/>
-            </a:endParaRPr>
-          </a:p>
-          <a:p>
-            <a:pPr algn="ctr">
-              <a:lnSpc>
-                <a:spcPct val="100000"/>
-              </a:lnSpc>
-            </a:pPr>
-            <a:endParaRPr b="0" lang="en-US" sz="1800" spc="-1" strike="noStrike">
-              <a:solidFill>
-                <a:srgbClr val="000000"/>
-              </a:solidFill>
-              <a:uFill>
-                <a:solidFill>
-                  <a:srgbClr val="ffffff"/>
-                </a:solidFill>
-              </a:uFill>
-              <a:latin typeface="Arial"/>
-            </a:endParaRPr>
-          </a:p>
-          <a:p>
-            <a:pPr algn="ctr">
-              <a:lnSpc>
-                <a:spcPct val="100000"/>
-              </a:lnSpc>
-            </a:pPr>
-            <a:endParaRPr b="0" lang="en-US" sz="1800" spc="-1" strike="noStrike">
-              <a:solidFill>
-                <a:srgbClr val="000000"/>
-              </a:solidFill>
-              <a:uFill>
-                <a:solidFill>
-                  <a:srgbClr val="ffffff"/>
-                </a:solidFill>
-              </a:uFill>
-              <a:latin typeface="Arial"/>
-            </a:endParaRPr>
-          </a:p>
-          <a:p>
-            <a:pPr algn="ctr">
-              <a:lnSpc>
-                <a:spcPct val="100000"/>
-              </a:lnSpc>
-            </a:pPr>
-            <a:endParaRPr b="0" lang="en-US" sz="1800" spc="-1" strike="noStrike">
-              <a:solidFill>
-                <a:srgbClr val="000000"/>
-              </a:solidFill>
-              <a:uFill>
-                <a:solidFill>
-                  <a:srgbClr val="ffffff"/>
-                </a:solidFill>
-              </a:uFill>
-              <a:latin typeface="Arial"/>
-            </a:endParaRPr>
-          </a:p>
-          <a:p>
-            <a:pPr algn="ctr">
-              <a:lnSpc>
-                <a:spcPct val="100000"/>
-              </a:lnSpc>
-            </a:pPr>
-            <a:endParaRPr b="0" lang="en-US" sz="1800" spc="-1" strike="noStrike">
-              <a:solidFill>
-                <a:srgbClr val="000000"/>
-              </a:solidFill>
-              <a:uFill>
-                <a:solidFill>
-                  <a:srgbClr val="ffffff"/>
-                </a:solidFill>
-              </a:uFill>
-              <a:latin typeface="Arial"/>
-            </a:endParaRPr>
-          </a:p>
-          <a:p>
-            <a:pPr algn="ctr">
-              <a:lnSpc>
-                <a:spcPct val="100000"/>
-              </a:lnSpc>
-            </a:pPr>
-            <a:endParaRPr b="0" lang="en-US" sz="1800" spc="-1" strike="noStrike">
-              <a:solidFill>
-                <a:srgbClr val="000000"/>
-              </a:solidFill>
-              <a:uFill>
-                <a:solidFill>
-                  <a:srgbClr val="ffffff"/>
-                </a:solidFill>
-              </a:uFill>
-              <a:latin typeface="Arial"/>
-            </a:endParaRPr>
-          </a:p>
-          <a:p>
-            <a:pPr algn="ctr">
-              <a:lnSpc>
-                <a:spcPct val="100000"/>
-              </a:lnSpc>
-            </a:pPr>
-            <a:endParaRPr b="0" lang="en-US" sz="1800" spc="-1" strike="noStrike">
-              <a:solidFill>
-                <a:srgbClr val="000000"/>
-              </a:solidFill>
-              <a:uFill>
-                <a:solidFill>
-                  <a:srgbClr val="ffffff"/>
-                </a:solidFill>
-              </a:uFill>
-              <a:latin typeface="Arial"/>
-            </a:endParaRPr>
-          </a:p>
-          <a:p>
-            <a:pPr algn="ctr">
-              <a:lnSpc>
-                <a:spcPct val="100000"/>
-              </a:lnSpc>
-            </a:pPr>
-            <a:endParaRPr b="0" lang="en-US" sz="1800" spc="-1" strike="noStrike">
-              <a:solidFill>
-                <a:srgbClr val="000000"/>
-              </a:solidFill>
-              <a:uFill>
-                <a:solidFill>
-                  <a:srgbClr val="ffffff"/>
-                </a:solidFill>
-              </a:uFill>
-              <a:latin typeface="Arial"/>
-            </a:endParaRPr>
-          </a:p>
-          <a:p>
-            <a:pPr algn="ctr">
-              <a:lnSpc>
-                <a:spcPct val="100000"/>
-              </a:lnSpc>
-            </a:pPr>
-            <a:endParaRPr b="0" lang="en-US" sz="1800" spc="-1" strike="noStrike">
-              <a:solidFill>
-                <a:srgbClr val="000000"/>
-              </a:solidFill>
-              <a:uFill>
-                <a:solidFill>
-                  <a:srgbClr val="ffffff"/>
-                </a:solidFill>
-              </a:uFill>
-              <a:latin typeface="Arial"/>
-            </a:endParaRPr>
-          </a:p>
-          <a:p>
-            <a:pPr algn="ctr">
-              <a:lnSpc>
-                <a:spcPct val="100000"/>
-              </a:lnSpc>
-            </a:pPr>
-            <a:endParaRPr b="0" lang="en-US" sz="1800" spc="-1" strike="noStrike">
-              <a:solidFill>
-                <a:srgbClr val="000000"/>
-              </a:solidFill>
-              <a:uFill>
-                <a:solidFill>
-                  <a:srgbClr val="ffffff"/>
-                </a:solidFill>
-              </a:uFill>
-              <a:latin typeface="Arial"/>
-            </a:endParaRPr>
-          </a:p>
-          <a:p>
-            <a:pPr algn="ctr">
-              <a:lnSpc>
-                <a:spcPct val="100000"/>
-              </a:lnSpc>
-            </a:pPr>
-            <a:endParaRPr b="0" lang="en-US" sz="1800" spc="-1" strike="noStrike">
-              <a:solidFill>
-                <a:srgbClr val="000000"/>
-              </a:solidFill>
-              <a:uFill>
-                <a:solidFill>
-                  <a:srgbClr val="ffffff"/>
-                </a:solidFill>
-              </a:uFill>
-              <a:latin typeface="Arial"/>
-            </a:endParaRPr>
-          </a:p>
-          <a:p>
-            <a:pPr algn="ctr">
-              <a:lnSpc>
-                <a:spcPct val="100000"/>
-              </a:lnSpc>
-            </a:pPr>
-            <a:endParaRPr b="0" lang="en-US" sz="1800" spc="-1" strike="noStrike">
-              <a:solidFill>
-                <a:srgbClr val="000000"/>
-              </a:solidFill>
-              <a:uFill>
-                <a:solidFill>
-                  <a:srgbClr val="ffffff"/>
-                </a:solidFill>
-              </a:uFill>
-              <a:latin typeface="Arial"/>
-            </a:endParaRPr>
-          </a:p>
-          <a:p>
-            <a:pPr algn="ctr">
-              <a:lnSpc>
-                <a:spcPct val="100000"/>
-              </a:lnSpc>
-            </a:pPr>
-            <a:endParaRPr b="0" lang="en-US" sz="1800" spc="-1" strike="noStrike">
-              <a:solidFill>
-                <a:srgbClr val="000000"/>
-              </a:solidFill>
-              <a:uFill>
-                <a:solidFill>
-                  <a:srgbClr val="ffffff"/>
-                </a:solidFill>
-              </a:uFill>
-              <a:latin typeface="Arial"/>
-            </a:endParaRPr>
-          </a:p>
-          <a:p>
-            <a:pPr algn="ctr">
-              <a:lnSpc>
-                <a:spcPct val="100000"/>
-              </a:lnSpc>
-            </a:pPr>
-            <a:endParaRPr b="0" lang="en-US" sz="1800" spc="-1" strike="noStrike">
-              <a:solidFill>
-                <a:srgbClr val="000000"/>
-              </a:solidFill>
-              <a:uFill>
-                <a:solidFill>
-                  <a:srgbClr val="ffffff"/>
-                </a:solidFill>
-              </a:uFill>
-              <a:latin typeface="Arial"/>
-            </a:endParaRPr>
-          </a:p>
-          <a:p>
-            <a:pPr algn="ctr">
-              <a:lnSpc>
-                <a:spcPct val="100000"/>
-              </a:lnSpc>
-            </a:pPr>
-            <a:endParaRPr b="0" lang="en-US" sz="1800" spc="-1" strike="noStrike">
-              <a:solidFill>
-                <a:srgbClr val="000000"/>
-              </a:solidFill>
-              <a:uFill>
-                <a:solidFill>
-                  <a:srgbClr val="ffffff"/>
-                </a:solidFill>
-              </a:uFill>
-              <a:latin typeface="Arial"/>
-            </a:endParaRPr>
-          </a:p>
-          <a:p>
-            <a:pPr algn="ctr">
-              <a:lnSpc>
-                <a:spcPct val="100000"/>
-              </a:lnSpc>
-            </a:pPr>
-            <a:endParaRPr b="0" lang="en-US" sz="1800" spc="-1" strike="noStrike">
-              <a:solidFill>
-                <a:srgbClr val="000000"/>
-              </a:solidFill>
-              <a:uFill>
-                <a:solidFill>
-                  <a:srgbClr val="ffffff"/>
-                </a:solidFill>
-              </a:uFill>
-              <a:latin typeface="Arial"/>
-            </a:endParaRPr>
-          </a:p>
-          <a:p>
-            <a:pPr algn="ctr">
+            <a:pPr>
               <a:lnSpc>
                 <a:spcPct val="100000"/>
               </a:lnSpc>
@@ -6429,7 +6278,7 @@
       </p:sp>
       <p:pic>
         <p:nvPicPr>
-          <p:cNvPr id="48" name="" descr=""/>
+          <p:cNvPr id="48" name="Shape 146" descr=""/>
           <p:cNvPicPr/>
           <p:nvPr/>
         </p:nvPicPr>
@@ -6439,8 +6288,8 @@
         </p:blipFill>
         <p:spPr>
           <a:xfrm>
-            <a:off x="3593880" y="1188720"/>
-            <a:ext cx="1956240" cy="1910520"/>
+            <a:off x="3595680" y="1616400"/>
+            <a:ext cx="1952640" cy="1910880"/>
           </a:xfrm>
           <a:prstGeom prst="rect">
             <a:avLst/>
@@ -6452,6 +6301,33 @@
       </p:pic>
     </p:spTree>
   </p:cSld>
+  <p:timing>
+    <p:tnLst>
+      <p:par>
+        <p:cTn id="13" dur="indefinite" restart="never" nodeType="tmRoot">
+          <p:childTnLst>
+            <p:seq>
+              <p:cTn id="14" nodeType="mainSeq"/>
+              <p:prevCondLst>
+                <p:cond delay="0" evt="onPrev">
+                  <p:tgtEl>
+                    <p:sldTgt/>
+                  </p:tgtEl>
+                </p:cond>
+              </p:prevCondLst>
+              <p:nextCondLst>
+                <p:cond delay="0" evt="onNext">
+                  <p:tgtEl>
+                    <p:sldTgt/>
+                  </p:tgtEl>
+                </p:cond>
+              </p:nextCondLst>
+            </p:seq>
+          </p:childTnLst>
+        </p:cTn>
+      </p:par>
+    </p:tnLst>
+  </p:timing>
 </p:sld>
 </file>
 
@@ -6488,7 +6364,7 @@
         <p:spPr>
           <a:xfrm>
             <a:off x="312480" y="516240"/>
-            <a:ext cx="8519040" cy="4111560"/>
+            <a:ext cx="8518680" cy="4111200"/>
           </a:xfrm>
           <a:prstGeom prst="rect">
             <a:avLst/>
@@ -6525,134 +6401,8 @@
                 <a:latin typeface="Arial"/>
                 <a:ea typeface="Arial"/>
               </a:rPr>
-              <a:t>In order for Team A to meet its goal, both Claude and Jacob have to succeed in their task.</a:t>
+              <a:t>Similar to employees, a team may contribute to the </a:t>
             </a:r>
-            <a:endParaRPr b="0" lang="en-US" sz="1800" spc="-1" strike="noStrike">
-              <a:solidFill>
-                <a:srgbClr val="000000"/>
-              </a:solidFill>
-              <a:uFill>
-                <a:solidFill>
-                  <a:srgbClr val="ffffff"/>
-                </a:solidFill>
-              </a:uFill>
-              <a:latin typeface="Arial"/>
-            </a:endParaRPr>
-          </a:p>
-          <a:p>
-            <a:pPr algn="ctr">
-              <a:lnSpc>
-                <a:spcPct val="100000"/>
-              </a:lnSpc>
-            </a:pPr>
-            <a:endParaRPr b="0" lang="en-US" sz="1800" spc="-1" strike="noStrike">
-              <a:solidFill>
-                <a:srgbClr val="000000"/>
-              </a:solidFill>
-              <a:uFill>
-                <a:solidFill>
-                  <a:srgbClr val="ffffff"/>
-                </a:solidFill>
-              </a:uFill>
-              <a:latin typeface="Arial"/>
-            </a:endParaRPr>
-          </a:p>
-          <a:p>
-            <a:pPr algn="ctr">
-              <a:lnSpc>
-                <a:spcPct val="100000"/>
-              </a:lnSpc>
-            </a:pPr>
-            <a:endParaRPr b="0" lang="en-US" sz="1800" spc="-1" strike="noStrike">
-              <a:solidFill>
-                <a:srgbClr val="000000"/>
-              </a:solidFill>
-              <a:uFill>
-                <a:solidFill>
-                  <a:srgbClr val="ffffff"/>
-                </a:solidFill>
-              </a:uFill>
-              <a:latin typeface="Arial"/>
-            </a:endParaRPr>
-          </a:p>
-          <a:p>
-            <a:pPr algn="ctr">
-              <a:lnSpc>
-                <a:spcPct val="100000"/>
-              </a:lnSpc>
-            </a:pPr>
-            <a:endParaRPr b="0" lang="en-US" sz="1800" spc="-1" strike="noStrike">
-              <a:solidFill>
-                <a:srgbClr val="000000"/>
-              </a:solidFill>
-              <a:uFill>
-                <a:solidFill>
-                  <a:srgbClr val="ffffff"/>
-                </a:solidFill>
-              </a:uFill>
-              <a:latin typeface="Arial"/>
-            </a:endParaRPr>
-          </a:p>
-          <a:p>
-            <a:pPr algn="ctr">
-              <a:lnSpc>
-                <a:spcPct val="100000"/>
-              </a:lnSpc>
-            </a:pPr>
-            <a:endParaRPr b="0" lang="en-US" sz="1800" spc="-1" strike="noStrike">
-              <a:solidFill>
-                <a:srgbClr val="000000"/>
-              </a:solidFill>
-              <a:uFill>
-                <a:solidFill>
-                  <a:srgbClr val="ffffff"/>
-                </a:solidFill>
-              </a:uFill>
-              <a:latin typeface="Arial"/>
-            </a:endParaRPr>
-          </a:p>
-          <a:p>
-            <a:pPr algn="ctr">
-              <a:lnSpc>
-                <a:spcPct val="100000"/>
-              </a:lnSpc>
-            </a:pPr>
-            <a:endParaRPr b="0" lang="en-US" sz="1800" spc="-1" strike="noStrike">
-              <a:solidFill>
-                <a:srgbClr val="000000"/>
-              </a:solidFill>
-              <a:uFill>
-                <a:solidFill>
-                  <a:srgbClr val="ffffff"/>
-                </a:solidFill>
-              </a:uFill>
-              <a:latin typeface="Arial"/>
-            </a:endParaRPr>
-          </a:p>
-          <a:p>
-            <a:pPr algn="ctr">
-              <a:lnSpc>
-                <a:spcPct val="100000"/>
-              </a:lnSpc>
-            </a:pPr>
-            <a:endParaRPr b="0" lang="en-US" sz="1800" spc="-1" strike="noStrike">
-              <a:solidFill>
-                <a:srgbClr val="000000"/>
-              </a:solidFill>
-              <a:uFill>
-                <a:solidFill>
-                  <a:srgbClr val="ffffff"/>
-                </a:solidFill>
-              </a:uFill>
-              <a:latin typeface="Arial"/>
-            </a:endParaRPr>
-          </a:p>
-          <a:p>
-            <a:pPr algn="ctr">
-              <a:lnSpc>
-                <a:spcPct val="100000"/>
-              </a:lnSpc>
-            </a:pPr>
             <a:endParaRPr b="0" lang="en-US" sz="1800" spc="-1" strike="noStrike">
               <a:solidFill>
                 <a:srgbClr val="000000"/>
@@ -6684,7 +6434,7 @@
                 <a:latin typeface="Arial"/>
                 <a:ea typeface="Arial"/>
               </a:rPr>
-              <a:t>The team failed because Claude did not succeed.</a:t>
+              <a:t>Office Goal. </a:t>
             </a:r>
             <a:endParaRPr b="0" lang="en-US" sz="1800" spc="-1" strike="noStrike">
               <a:solidFill>
@@ -6699,7 +6449,25 @@
             </a:endParaRPr>
           </a:p>
           <a:p>
-            <a:pPr>
+            <a:pPr algn="ctr">
+              <a:lnSpc>
+                <a:spcPct val="100000"/>
+              </a:lnSpc>
+            </a:pPr>
+            <a:endParaRPr b="0" lang="en-US" sz="1800" spc="-1" strike="noStrike">
+              <a:solidFill>
+                <a:srgbClr val="000000"/>
+              </a:solidFill>
+              <a:uFill>
+                <a:solidFill>
+                  <a:srgbClr val="ffffff"/>
+                </a:solidFill>
+              </a:uFill>
+              <a:latin typeface="Arial"/>
+            </a:endParaRPr>
+          </a:p>
+          <a:p>
+            <a:pPr algn="ctr">
               <a:lnSpc>
                 <a:spcPct val="100000"/>
               </a:lnSpc>
@@ -6720,7 +6488,7 @@
       </p:sp>
       <p:pic>
         <p:nvPicPr>
-          <p:cNvPr id="50" name="Shape 146" descr=""/>
+          <p:cNvPr id="50" name="" descr=""/>
           <p:cNvPicPr/>
           <p:nvPr/>
         </p:nvPicPr>
@@ -6730,8 +6498,8 @@
         </p:blipFill>
         <p:spPr>
           <a:xfrm>
-            <a:off x="3595680" y="1616400"/>
-            <a:ext cx="1953000" cy="1911240"/>
+            <a:off x="2926440" y="1802160"/>
+            <a:ext cx="3290760" cy="2495160"/>
           </a:xfrm>
           <a:prstGeom prst="rect">
             <a:avLst/>
@@ -6743,6 +6511,33 @@
       </p:pic>
     </p:spTree>
   </p:cSld>
+  <p:timing>
+    <p:tnLst>
+      <p:par>
+        <p:cTn id="15" dur="indefinite" restart="never" nodeType="tmRoot">
+          <p:childTnLst>
+            <p:seq>
+              <p:cTn id="16" nodeType="mainSeq"/>
+              <p:prevCondLst>
+                <p:cond delay="0" evt="onPrev">
+                  <p:tgtEl>
+                    <p:sldTgt/>
+                  </p:tgtEl>
+                </p:cond>
+              </p:prevCondLst>
+              <p:nextCondLst>
+                <p:cond delay="0" evt="onNext">
+                  <p:tgtEl>
+                    <p:sldTgt/>
+                  </p:tgtEl>
+                </p:cond>
+              </p:nextCondLst>
+            </p:seq>
+          </p:childTnLst>
+        </p:cTn>
+      </p:par>
+    </p:tnLst>
+  </p:timing>
 </p:sld>
 </file>
 
@@ -6778,8 +6573,8 @@
         </p:nvSpPr>
         <p:spPr>
           <a:xfrm>
-            <a:off x="312480" y="516240"/>
-            <a:ext cx="8519040" cy="4111560"/>
+            <a:off x="312120" y="516240"/>
+            <a:ext cx="8518680" cy="4111200"/>
           </a:xfrm>
           <a:prstGeom prst="rect">
             <a:avLst/>
@@ -6798,7 +6593,11 @@
         <p:txBody>
           <a:bodyPr lIns="90000" rIns="90000" tIns="91440" bIns="91440"/>
           <a:p>
-            <a:pPr algn="ctr"/>
+            <a:pPr algn="ctr">
+              <a:lnSpc>
+                <a:spcPct val="100000"/>
+              </a:lnSpc>
+            </a:pPr>
             <a:r>
               <a:rPr b="0" lang="en-US" sz="2400" spc="-1" strike="noStrike">
                 <a:solidFill>
@@ -6812,7 +6611,7 @@
                 <a:latin typeface="Arial"/>
                 <a:ea typeface="Arial"/>
               </a:rPr>
-              <a:t>Similar to employees, a team may contribute to the </a:t>
+              <a:t>The number 1 next to the Office Goal, indicates that at least 1 employee/team has to succeed in order to meet the Office Goal.</a:t>
             </a:r>
             <a:endParaRPr b="0" lang="en-US" sz="1800" spc="-1" strike="noStrike">
               <a:solidFill>
@@ -6832,21 +6631,186 @@
                 <a:spcPct val="100000"/>
               </a:lnSpc>
             </a:pPr>
-            <a:r>
-              <a:rPr b="0" lang="en-US" sz="2400" spc="-1" strike="noStrike">
-                <a:solidFill>
-                  <a:srgbClr val="000000"/>
-                </a:solidFill>
-                <a:uFill>
-                  <a:solidFill>
-                    <a:srgbClr val="ffffff"/>
-                  </a:solidFill>
-                </a:uFill>
-                <a:latin typeface="Arial"/>
-                <a:ea typeface="Arial"/>
-              </a:rPr>
-              <a:t>Office Goal. </a:t>
-            </a:r>
+            <a:endParaRPr b="0" lang="en-US" sz="1800" spc="-1" strike="noStrike">
+              <a:solidFill>
+                <a:srgbClr val="000000"/>
+              </a:solidFill>
+              <a:uFill>
+                <a:solidFill>
+                  <a:srgbClr val="ffffff"/>
+                </a:solidFill>
+              </a:uFill>
+              <a:latin typeface="Arial"/>
+            </a:endParaRPr>
+          </a:p>
+          <a:p>
+            <a:pPr algn="ctr">
+              <a:lnSpc>
+                <a:spcPct val="100000"/>
+              </a:lnSpc>
+            </a:pPr>
+            <a:endParaRPr b="0" lang="en-US" sz="1800" spc="-1" strike="noStrike">
+              <a:solidFill>
+                <a:srgbClr val="000000"/>
+              </a:solidFill>
+              <a:uFill>
+                <a:solidFill>
+                  <a:srgbClr val="ffffff"/>
+                </a:solidFill>
+              </a:uFill>
+              <a:latin typeface="Arial"/>
+            </a:endParaRPr>
+          </a:p>
+          <a:p>
+            <a:pPr algn="ctr">
+              <a:lnSpc>
+                <a:spcPct val="100000"/>
+              </a:lnSpc>
+            </a:pPr>
+            <a:endParaRPr b="0" lang="en-US" sz="1800" spc="-1" strike="noStrike">
+              <a:solidFill>
+                <a:srgbClr val="000000"/>
+              </a:solidFill>
+              <a:uFill>
+                <a:solidFill>
+                  <a:srgbClr val="ffffff"/>
+                </a:solidFill>
+              </a:uFill>
+              <a:latin typeface="Arial"/>
+            </a:endParaRPr>
+          </a:p>
+          <a:p>
+            <a:pPr algn="ctr">
+              <a:lnSpc>
+                <a:spcPct val="100000"/>
+              </a:lnSpc>
+            </a:pPr>
+            <a:endParaRPr b="0" lang="en-US" sz="1800" spc="-1" strike="noStrike">
+              <a:solidFill>
+                <a:srgbClr val="000000"/>
+              </a:solidFill>
+              <a:uFill>
+                <a:solidFill>
+                  <a:srgbClr val="ffffff"/>
+                </a:solidFill>
+              </a:uFill>
+              <a:latin typeface="Arial"/>
+            </a:endParaRPr>
+          </a:p>
+          <a:p>
+            <a:pPr algn="ctr">
+              <a:lnSpc>
+                <a:spcPct val="100000"/>
+              </a:lnSpc>
+            </a:pPr>
+            <a:endParaRPr b="0" lang="en-US" sz="1800" spc="-1" strike="noStrike">
+              <a:solidFill>
+                <a:srgbClr val="000000"/>
+              </a:solidFill>
+              <a:uFill>
+                <a:solidFill>
+                  <a:srgbClr val="ffffff"/>
+                </a:solidFill>
+              </a:uFill>
+              <a:latin typeface="Arial"/>
+            </a:endParaRPr>
+          </a:p>
+          <a:p>
+            <a:pPr algn="ctr">
+              <a:lnSpc>
+                <a:spcPct val="100000"/>
+              </a:lnSpc>
+            </a:pPr>
+            <a:endParaRPr b="0" lang="en-US" sz="1800" spc="-1" strike="noStrike">
+              <a:solidFill>
+                <a:srgbClr val="000000"/>
+              </a:solidFill>
+              <a:uFill>
+                <a:solidFill>
+                  <a:srgbClr val="ffffff"/>
+                </a:solidFill>
+              </a:uFill>
+              <a:latin typeface="Arial"/>
+            </a:endParaRPr>
+          </a:p>
+          <a:p>
+            <a:pPr algn="ctr">
+              <a:lnSpc>
+                <a:spcPct val="100000"/>
+              </a:lnSpc>
+            </a:pPr>
+            <a:endParaRPr b="0" lang="en-US" sz="1800" spc="-1" strike="noStrike">
+              <a:solidFill>
+                <a:srgbClr val="000000"/>
+              </a:solidFill>
+              <a:uFill>
+                <a:solidFill>
+                  <a:srgbClr val="ffffff"/>
+                </a:solidFill>
+              </a:uFill>
+              <a:latin typeface="Arial"/>
+            </a:endParaRPr>
+          </a:p>
+          <a:p>
+            <a:pPr algn="ctr">
+              <a:lnSpc>
+                <a:spcPct val="100000"/>
+              </a:lnSpc>
+            </a:pPr>
+            <a:endParaRPr b="0" lang="en-US" sz="1800" spc="-1" strike="noStrike">
+              <a:solidFill>
+                <a:srgbClr val="000000"/>
+              </a:solidFill>
+              <a:uFill>
+                <a:solidFill>
+                  <a:srgbClr val="ffffff"/>
+                </a:solidFill>
+              </a:uFill>
+              <a:latin typeface="Arial"/>
+            </a:endParaRPr>
+          </a:p>
+          <a:p>
+            <a:pPr algn="ctr">
+              <a:lnSpc>
+                <a:spcPct val="100000"/>
+              </a:lnSpc>
+            </a:pPr>
+            <a:endParaRPr b="0" lang="en-US" sz="1800" spc="-1" strike="noStrike">
+              <a:solidFill>
+                <a:srgbClr val="000000"/>
+              </a:solidFill>
+              <a:uFill>
+                <a:solidFill>
+                  <a:srgbClr val="ffffff"/>
+                </a:solidFill>
+              </a:uFill>
+              <a:latin typeface="Arial"/>
+            </a:endParaRPr>
+          </a:p>
+          <a:p>
+            <a:pPr algn="ctr">
+              <a:lnSpc>
+                <a:spcPct val="100000"/>
+              </a:lnSpc>
+            </a:pPr>
+            <a:endParaRPr b="0" lang="en-US" sz="1800" spc="-1" strike="noStrike">
+              <a:solidFill>
+                <a:srgbClr val="000000"/>
+              </a:solidFill>
+              <a:uFill>
+                <a:solidFill>
+                  <a:srgbClr val="ffffff"/>
+                </a:solidFill>
+              </a:uFill>
+              <a:latin typeface="Arial"/>
+            </a:endParaRPr>
+          </a:p>
+          <a:p>
+            <a:pPr algn="ctr">
+              <a:lnSpc>
+                <a:spcPct val="100000"/>
+              </a:lnSpc>
+            </a:pPr>
             <a:endParaRPr b="0" lang="en-US" sz="1800" spc="-1" strike="noStrike">
               <a:solidFill>
                 <a:srgbClr val="000000"/>
@@ -6909,8 +6873,8 @@
         </p:blipFill>
         <p:spPr>
           <a:xfrm>
-            <a:off x="2926440" y="1802160"/>
-            <a:ext cx="3291120" cy="2495520"/>
+            <a:off x="2926440" y="2011680"/>
+            <a:ext cx="3290760" cy="2495160"/>
           </a:xfrm>
           <a:prstGeom prst="rect">
             <a:avLst/>
@@ -6922,6 +6886,33 @@
       </p:pic>
     </p:spTree>
   </p:cSld>
+  <p:timing>
+    <p:tnLst>
+      <p:par>
+        <p:cTn id="17" dur="indefinite" restart="never" nodeType="tmRoot">
+          <p:childTnLst>
+            <p:seq>
+              <p:cTn id="18" nodeType="mainSeq"/>
+              <p:prevCondLst>
+                <p:cond delay="0" evt="onPrev">
+                  <p:tgtEl>
+                    <p:sldTgt/>
+                  </p:tgtEl>
+                </p:cond>
+              </p:prevCondLst>
+              <p:nextCondLst>
+                <p:cond delay="0" evt="onNext">
+                  <p:tgtEl>
+                    <p:sldTgt/>
+                  </p:tgtEl>
+                </p:cond>
+              </p:nextCondLst>
+            </p:seq>
+          </p:childTnLst>
+        </p:cTn>
+      </p:par>
+    </p:tnLst>
+  </p:timing>
 </p:sld>
 </file>
 

--- a/src/experiment/static/images/instructions/Tutorial.pptx
+++ b/src/experiment/static/images/instructions/Tutorial.pptx
@@ -75,7 +75,7 @@
         <p:spPr>
           <a:xfrm>
             <a:off x="311760" y="418320"/>
-            <a:ext cx="8518680" cy="625320"/>
+            <a:ext cx="8518320" cy="625320"/>
           </a:xfrm>
           <a:prstGeom prst="rect">
             <a:avLst/>
@@ -206,7 +206,7 @@
         <p:spPr>
           <a:xfrm>
             <a:off x="311760" y="418320"/>
-            <a:ext cx="8518680" cy="625320"/>
+            <a:ext cx="8518320" cy="625320"/>
           </a:xfrm>
           <a:prstGeom prst="rect">
             <a:avLst/>
@@ -409,7 +409,7 @@
         <p:spPr>
           <a:xfrm>
             <a:off x="311760" y="418320"/>
-            <a:ext cx="8518680" cy="625320"/>
+            <a:ext cx="8518320" cy="625320"/>
           </a:xfrm>
           <a:prstGeom prst="rect">
             <a:avLst/>
@@ -586,7 +586,7 @@
         <p:spPr>
           <a:xfrm>
             <a:off x="311760" y="418320"/>
-            <a:ext cx="8518680" cy="625320"/>
+            <a:ext cx="8518320" cy="625320"/>
           </a:xfrm>
           <a:prstGeom prst="rect">
             <a:avLst/>
@@ -682,7 +682,7 @@
         <p:spPr>
           <a:xfrm>
             <a:off x="311760" y="418320"/>
-            <a:ext cx="8518680" cy="625320"/>
+            <a:ext cx="8518320" cy="625320"/>
           </a:xfrm>
           <a:prstGeom prst="rect">
             <a:avLst/>
@@ -777,7 +777,7 @@
         <p:spPr>
           <a:xfrm>
             <a:off x="311760" y="418320"/>
-            <a:ext cx="8518680" cy="625320"/>
+            <a:ext cx="8518320" cy="625320"/>
           </a:xfrm>
           <a:prstGeom prst="rect">
             <a:avLst/>
@@ -908,7 +908,7 @@
         <p:spPr>
           <a:xfrm>
             <a:off x="311760" y="418320"/>
-            <a:ext cx="8518680" cy="625320"/>
+            <a:ext cx="8518320" cy="625320"/>
           </a:xfrm>
           <a:prstGeom prst="rect">
             <a:avLst/>
@@ -967,7 +967,7 @@
         <p:spPr>
           <a:xfrm>
             <a:off x="311760" y="418320"/>
-            <a:ext cx="8518680" cy="2898360"/>
+            <a:ext cx="8518320" cy="2898360"/>
           </a:xfrm>
           <a:prstGeom prst="rect">
             <a:avLst/>
@@ -1026,7 +1026,7 @@
         <p:spPr>
           <a:xfrm>
             <a:off x="311760" y="418320"/>
-            <a:ext cx="8518680" cy="625320"/>
+            <a:ext cx="8518320" cy="625320"/>
           </a:xfrm>
           <a:prstGeom prst="rect">
             <a:avLst/>
@@ -1193,7 +1193,7 @@
         <p:spPr>
           <a:xfrm>
             <a:off x="311760" y="418320"/>
-            <a:ext cx="8518680" cy="625320"/>
+            <a:ext cx="8518320" cy="625320"/>
           </a:xfrm>
           <a:prstGeom prst="rect">
             <a:avLst/>
@@ -1360,7 +1360,7 @@
         <p:spPr>
           <a:xfrm>
             <a:off x="311760" y="418320"/>
-            <a:ext cx="8518680" cy="625320"/>
+            <a:ext cx="8518320" cy="625320"/>
           </a:xfrm>
           <a:prstGeom prst="rect">
             <a:avLst/>
@@ -1534,7 +1534,7 @@
         <p:spPr>
           <a:xfrm>
             <a:off x="311760" y="418320"/>
-            <a:ext cx="8518680" cy="624960"/>
+            <a:ext cx="8518320" cy="624960"/>
           </a:xfrm>
           <a:prstGeom prst="rect">
             <a:avLst/>
@@ -1879,7 +1879,7 @@
         <p:spPr>
           <a:xfrm>
             <a:off x="311760" y="414720"/>
-            <a:ext cx="8518680" cy="4314240"/>
+            <a:ext cx="8518320" cy="4313880"/>
           </a:xfrm>
           <a:prstGeom prst="rect">
             <a:avLst/>
@@ -2182,7 +2182,7 @@
         <p:spPr>
           <a:xfrm>
             <a:off x="312840" y="414720"/>
-            <a:ext cx="8518680" cy="4314240"/>
+            <a:ext cx="8518320" cy="4313880"/>
           </a:xfrm>
           <a:prstGeom prst="rect">
             <a:avLst/>
@@ -2548,7 +2548,7 @@
         <p:spPr>
           <a:xfrm>
             <a:off x="4042440" y="1371600"/>
-            <a:ext cx="1059480" cy="1059480"/>
+            <a:ext cx="1059120" cy="1059120"/>
           </a:xfrm>
           <a:prstGeom prst="rect">
             <a:avLst/>
@@ -2571,7 +2571,7 @@
         <p:spPr>
           <a:xfrm>
             <a:off x="4042080" y="3127680"/>
-            <a:ext cx="1060200" cy="1078560"/>
+            <a:ext cx="1059840" cy="1078200"/>
           </a:xfrm>
           <a:prstGeom prst="rect">
             <a:avLst/>
@@ -2646,7 +2646,7 @@
         <p:spPr>
           <a:xfrm>
             <a:off x="312120" y="516240"/>
-            <a:ext cx="8518680" cy="4111200"/>
+            <a:ext cx="8518320" cy="4110840"/>
           </a:xfrm>
           <a:prstGeom prst="rect">
             <a:avLst/>
@@ -3303,7 +3303,7 @@
         <p:spPr>
           <a:xfrm>
             <a:off x="2926800" y="1371600"/>
-            <a:ext cx="3290760" cy="2495160"/>
+            <a:ext cx="3290400" cy="2494800"/>
           </a:xfrm>
           <a:prstGeom prst="rect">
             <a:avLst/>
@@ -3378,7 +3378,7 @@
         <p:spPr>
           <a:xfrm>
             <a:off x="312480" y="516240"/>
-            <a:ext cx="8518680" cy="4111200"/>
+            <a:ext cx="8518320" cy="4110840"/>
           </a:xfrm>
           <a:prstGeom prst="rect">
             <a:avLst/>
@@ -4048,7 +4048,7 @@
         <p:spPr>
           <a:xfrm>
             <a:off x="312480" y="414720"/>
-            <a:ext cx="8518680" cy="4314240"/>
+            <a:ext cx="8518320" cy="4313880"/>
           </a:xfrm>
           <a:prstGeom prst="rect">
             <a:avLst/>
@@ -4167,8 +4167,8 @@
         </p:blipFill>
         <p:spPr>
           <a:xfrm>
-            <a:off x="2514600" y="2071080"/>
-            <a:ext cx="4077000" cy="1050480"/>
+            <a:off x="2532960" y="1872000"/>
+            <a:ext cx="4078080" cy="1088280"/>
           </a:xfrm>
           <a:prstGeom prst="rect">
             <a:avLst/>
@@ -4243,7 +4243,7 @@
         <p:spPr>
           <a:xfrm>
             <a:off x="312480" y="414720"/>
-            <a:ext cx="8518680" cy="4314240"/>
+            <a:ext cx="8518320" cy="4313880"/>
           </a:xfrm>
           <a:prstGeom prst="rect">
             <a:avLst/>
@@ -4732,7 +4732,7 @@
         <p:spPr>
           <a:xfrm>
             <a:off x="4041720" y="1875960"/>
-            <a:ext cx="1060200" cy="1087920"/>
+            <a:ext cx="1059840" cy="1087560"/>
           </a:xfrm>
           <a:prstGeom prst="rect">
             <a:avLst/>
@@ -4807,7 +4807,7 @@
         <p:spPr>
           <a:xfrm>
             <a:off x="312480" y="414720"/>
-            <a:ext cx="8518680" cy="4314240"/>
+            <a:ext cx="8518320" cy="4313880"/>
           </a:xfrm>
           <a:prstGeom prst="rect">
             <a:avLst/>
@@ -5136,8 +5136,8 @@
         </p:blipFill>
         <p:spPr>
           <a:xfrm>
-            <a:off x="2514600" y="2241000"/>
-            <a:ext cx="4077000" cy="1050480"/>
+            <a:off x="2532960" y="2194560"/>
+            <a:ext cx="4078080" cy="1088280"/>
           </a:xfrm>
           <a:prstGeom prst="rect">
             <a:avLst/>
@@ -5212,7 +5212,7 @@
         <p:spPr>
           <a:xfrm>
             <a:off x="312480" y="414720"/>
-            <a:ext cx="8518680" cy="4314240"/>
+            <a:ext cx="8518320" cy="4313880"/>
           </a:xfrm>
           <a:prstGeom prst="rect">
             <a:avLst/>
@@ -5581,7 +5581,7 @@
         <p:spPr>
           <a:xfrm>
             <a:off x="3566880" y="1008720"/>
-            <a:ext cx="2009880" cy="2739960"/>
+            <a:ext cx="2009520" cy="2739600"/>
           </a:xfrm>
           <a:prstGeom prst="rect">
             <a:avLst/>
@@ -5656,7 +5656,7 @@
         <p:spPr>
           <a:xfrm>
             <a:off x="312480" y="414720"/>
-            <a:ext cx="8518680" cy="4314240"/>
+            <a:ext cx="8518320" cy="4313880"/>
           </a:xfrm>
           <a:prstGeom prst="rect">
             <a:avLst/>
@@ -5935,7 +5935,7 @@
         <p:spPr>
           <a:xfrm>
             <a:off x="3594240" y="1554480"/>
-            <a:ext cx="1955880" cy="1910160"/>
+            <a:ext cx="1955520" cy="1909800"/>
           </a:xfrm>
           <a:prstGeom prst="rect">
             <a:avLst/>
@@ -6010,7 +6010,7 @@
         <p:spPr>
           <a:xfrm>
             <a:off x="312480" y="516240"/>
-            <a:ext cx="8518680" cy="4111200"/>
+            <a:ext cx="8518320" cy="4110840"/>
           </a:xfrm>
           <a:prstGeom prst="rect">
             <a:avLst/>
@@ -6289,7 +6289,7 @@
         <p:spPr>
           <a:xfrm>
             <a:off x="3595680" y="1616400"/>
-            <a:ext cx="1952640" cy="1910880"/>
+            <a:ext cx="1952280" cy="1910520"/>
           </a:xfrm>
           <a:prstGeom prst="rect">
             <a:avLst/>
@@ -6364,7 +6364,7 @@
         <p:spPr>
           <a:xfrm>
             <a:off x="312480" y="516240"/>
-            <a:ext cx="8518680" cy="4111200"/>
+            <a:ext cx="8518320" cy="4110840"/>
           </a:xfrm>
           <a:prstGeom prst="rect">
             <a:avLst/>
@@ -6499,7 +6499,7 @@
         <p:spPr>
           <a:xfrm>
             <a:off x="2926440" y="1802160"/>
-            <a:ext cx="3290760" cy="2495160"/>
+            <a:ext cx="3290400" cy="2494800"/>
           </a:xfrm>
           <a:prstGeom prst="rect">
             <a:avLst/>
@@ -6574,7 +6574,7 @@
         <p:spPr>
           <a:xfrm>
             <a:off x="312120" y="516240"/>
-            <a:ext cx="8518680" cy="4111200"/>
+            <a:ext cx="8518320" cy="4110840"/>
           </a:xfrm>
           <a:prstGeom prst="rect">
             <a:avLst/>
@@ -6874,7 +6874,7 @@
         <p:spPr>
           <a:xfrm>
             <a:off x="2926440" y="2011680"/>
-            <a:ext cx="3290760" cy="2495160"/>
+            <a:ext cx="3290400" cy="2494800"/>
           </a:xfrm>
           <a:prstGeom prst="rect">
             <a:avLst/>
